--- a/Complimentary Course Content/Module7/Lessons/Module7_Lesson5 Desired State Configuration with Chef.pptx
+++ b/Complimentary Course Content/Module7/Lessons/Module7_Lesson5 Desired State Configuration with Chef.pptx
@@ -142,7 +142,7 @@
   </p:defaultTextStyle>
   <p:extLst>
     <p:ext uri="{EFAFB233-063F-42B5-8137-9DF3F51BA10A}">
-      <p15:sldGuideLst xmlns:p15="http://schemas.microsoft.com/office/powerpoint/2012/main" xmlns="">
+      <p15:sldGuideLst xmlns="" xmlns:p15="http://schemas.microsoft.com/office/powerpoint/2012/main">
         <p15:guide id="1" orient="horz" pos="2184" userDrawn="1">
           <p15:clr>
             <a:srgbClr val="A4A3A4"/>
@@ -178,15 +178,6 @@
   </p:cmAuthor>
   <p:cmAuthor id="6" name="Mary Kate Reid" initials="" lastIdx="1" clrIdx="5"/>
 </p:cmAuthorLst>
-</file>
-
-<file path=ppt/comments/comment1.xml><?xml version="1.0" encoding="utf-8"?>
-<p:cmLst xmlns:a="http://schemas.openxmlformats.org/drawingml/2006/main" xmlns:r="http://schemas.openxmlformats.org/officeDocument/2006/relationships" xmlns:p="http://schemas.openxmlformats.org/presentationml/2006/main">
-  <p:cm authorId="6" dt="2016-06-20T15:19:47.879" idx="1">
-    <p:pos x="-7" y="-6"/>
-    <p:text>There is an unfinished thought in the instructors notes</p:text>
-  </p:cm>
-</p:cmLst>
 </file>
 
 <file path=ppt/notesMasters/notesMaster1.xml><?xml version="1.0" encoding="utf-8"?>
@@ -272,7 +263,7 @@
             <a:fld id="{49B60EF2-7028-489F-85D8-FE86CD7CF2A0}" type="datetimeFigureOut">
               <a:rPr lang="en-US" smtClean="0"/>
               <a:pPr/>
-              <a:t>6/20/16</a:t>
+              <a:t>6/30/16</a:t>
             </a:fld>
             <a:endParaRPr lang="en-US"/>
           </a:p>
@@ -681,15 +672,6 @@
               </a:rPr>
               <a:t>Notes:</a:t>
             </a:r>
-            <a:endParaRPr lang="en-US" sz="1200" b="1" i="0" kern="1200" dirty="0" smtClean="0">
-              <a:solidFill>
-                <a:schemeClr val="tx1"/>
-              </a:solidFill>
-              <a:effectLst/>
-              <a:latin typeface="+mn-lt"/>
-              <a:ea typeface="+mn-ea"/>
-              <a:cs typeface="+mn-cs"/>
-            </a:endParaRPr>
           </a:p>
           <a:p>
             <a:pPr marL="171450" indent="-171450">
@@ -730,29 +712,8 @@
                 <a:ea typeface="+mn-ea"/>
                 <a:cs typeface="+mn-cs"/>
               </a:rPr>
-              <a:t>MS chose the MOF format in part because it’s a widely accepted standard, you can create them with a variety of tools…even Notepad (but don’t create MOF files in Notepad)</a:t>
-            </a:r>
-            <a:r>
-              <a:rPr lang="en-US" sz="1200" b="0" i="0" kern="1200" dirty="0" smtClean="0">
-                <a:solidFill>
-                  <a:schemeClr val="tx1"/>
-                </a:solidFill>
-                <a:effectLst/>
-                <a:latin typeface="+mn-lt"/>
-                <a:ea typeface="+mn-ea"/>
-                <a:cs typeface="+mn-cs"/>
-              </a:rPr>
-              <a:t>.</a:t>
-            </a:r>
-            <a:endParaRPr lang="en-US" sz="1200" b="0" i="0" kern="1200" dirty="0" smtClean="0">
-              <a:solidFill>
-                <a:schemeClr val="tx1"/>
-              </a:solidFill>
-              <a:effectLst/>
-              <a:latin typeface="+mn-lt"/>
-              <a:ea typeface="+mn-ea"/>
-              <a:cs typeface="+mn-cs"/>
-            </a:endParaRPr>
+              <a:t>MS chose the MOF format in part because it’s a widely accepted standard, you can create them with a variety of tools…even Notepad (but don’t create MOF files in Notepad).</a:t>
+            </a:r>
           </a:p>
           <a:p>
             <a:pPr marL="685800" lvl="1" indent="-228600">
@@ -1009,19 +970,7 @@
                 <a:ea typeface="+mn-ea"/>
                 <a:cs typeface="+mn-cs"/>
               </a:rPr>
-              <a:t>the node will recheck its configuration every few minutes to ensure its configuration matches the settings in the MOF file</a:t>
-            </a:r>
-            <a:r>
-              <a:rPr lang="en-US" sz="1200" b="0" i="1" kern="1200" dirty="0" smtClean="0">
-                <a:solidFill>
-                  <a:schemeClr val="tx1"/>
-                </a:solidFill>
-                <a:effectLst/>
-                <a:latin typeface="+mn-lt"/>
-                <a:ea typeface="+mn-ea"/>
-                <a:cs typeface="+mn-cs"/>
-              </a:rPr>
-              <a:t>.</a:t>
+              <a:t>the node will recheck its configuration every few minutes to ensure its configuration matches the settings in the MOF file.</a:t>
             </a:r>
             <a:endParaRPr lang="en-US" sz="1200" b="0" i="0" kern="1200" dirty="0" smtClean="0">
               <a:solidFill>
@@ -1094,15 +1043,6 @@
               </a:rPr>
               <a:t>References:</a:t>
             </a:r>
-            <a:endParaRPr lang="en-US" sz="1200" b="1" i="0" kern="1200" dirty="0" smtClean="0">
-              <a:solidFill>
-                <a:schemeClr val="tx1"/>
-              </a:solidFill>
-              <a:effectLst/>
-              <a:latin typeface="+mn-lt"/>
-              <a:ea typeface="+mn-ea"/>
-              <a:cs typeface="+mn-cs"/>
-            </a:endParaRPr>
           </a:p>
           <a:p>
             <a:pPr marL="228600" marR="0" indent="-228600" algn="l" defTabSz="914400" rtl="0" eaLnBrk="1" fontAlgn="auto" latinLnBrk="0" hangingPunct="1">
@@ -1279,19 +1219,7 @@
                 <a:ea typeface="+mn-ea"/>
                 <a:cs typeface="+mn-cs"/>
               </a:rPr>
-              <a:t>You </a:t>
-            </a:r>
-            <a:r>
-              <a:rPr lang="en-US" sz="1200" b="0" i="0" kern="1200" dirty="0" smtClean="0">
-                <a:solidFill>
-                  <a:schemeClr val="tx1"/>
-                </a:solidFill>
-                <a:effectLst/>
-                <a:latin typeface="+mn-lt"/>
-                <a:ea typeface="+mn-ea"/>
-                <a:cs typeface="+mn-cs"/>
-              </a:rPr>
-              <a:t>can easily create your own MOF by creating a DSC configuration script and calling one of the 12 built-in DSC providers or by using a custom provider. To create a configuration script, begin by using the Configuration</a:t>
+              <a:t>You can easily create your own MOF by creating a DSC configuration script and calling one of the 12 built-in DSC providers or by using a custom provider. To create a configuration script, begin by using the Configuration</a:t>
             </a:r>
             <a:r>
               <a:rPr lang="en-US" sz="1200" b="0" i="1" kern="1200" dirty="0" smtClean="0">
@@ -1598,7 +1526,6 @@
               <a:rPr lang="en-US" b="1" dirty="0" smtClean="0"/>
               <a:t>Notes:</a:t>
             </a:r>
-            <a:endParaRPr lang="en-US" b="1" dirty="0" smtClean="0"/>
           </a:p>
           <a:p>
             <a:pPr marL="171450" indent="-171450">
@@ -1694,29 +1621,8 @@
                 <a:ea typeface="+mn-ea"/>
                 <a:cs typeface="+mn-cs"/>
               </a:rPr>
-              <a:t>It is also responsible for a number of other aspects of DSC, including the following</a:t>
-            </a:r>
-            <a:r>
-              <a:rPr lang="en-US" sz="1200" b="0" i="0" kern="1200" dirty="0" smtClean="0">
-                <a:solidFill>
-                  <a:schemeClr val="tx1"/>
-                </a:solidFill>
-                <a:effectLst/>
-                <a:latin typeface="+mn-lt"/>
-                <a:ea typeface="+mn-ea"/>
-                <a:cs typeface="+mn-cs"/>
-              </a:rPr>
-              <a:t>.</a:t>
-            </a:r>
-            <a:endParaRPr lang="en-US" sz="1200" b="0" i="0" kern="1200" dirty="0" smtClean="0">
-              <a:solidFill>
-                <a:schemeClr val="tx1"/>
-              </a:solidFill>
-              <a:effectLst/>
-              <a:latin typeface="+mn-lt"/>
-              <a:ea typeface="+mn-ea"/>
-              <a:cs typeface="+mn-cs"/>
-            </a:endParaRPr>
+              <a:t>It is also responsible for a number of other aspects of DSC, including the following.</a:t>
+            </a:r>
           </a:p>
           <a:p>
             <a:pPr marL="628650" lvl="1" indent="-171450">
@@ -1774,7 +1680,6 @@
               <a:rPr lang="en-US" dirty="0" smtClean="0"/>
               <a:t>You use a special type of configuration to configure the LCM to specify each of these behaviors. </a:t>
             </a:r>
-            <a:endParaRPr lang="en-US" dirty="0" smtClean="0"/>
           </a:p>
           <a:p>
             <a:pPr marL="171450" indent="-171450">
@@ -1931,7 +1836,6 @@
               <a:rPr lang="en-US" b="1" dirty="0" smtClean="0"/>
               <a:t>Notes:</a:t>
             </a:r>
-            <a:endParaRPr lang="en-US" b="1" dirty="0" smtClean="0"/>
           </a:p>
           <a:p>
             <a:pPr marL="171450" indent="-171450">
@@ -1980,11 +1884,7 @@
             </a:r>
             <a:r>
               <a:rPr lang="en-US" dirty="0" smtClean="0"/>
-              <a:t> resource requires it to be set to Disabled</a:t>
-            </a:r>
-            <a:r>
-              <a:rPr lang="en-US" dirty="0" smtClean="0"/>
-              <a:t>.</a:t>
+              <a:t> resource requires it to be set to Disabled.</a:t>
             </a:r>
           </a:p>
           <a:p>
@@ -2147,7 +2047,6 @@
               <a:rPr lang="en-US" b="1" dirty="0" smtClean="0"/>
               <a:t>Notes:</a:t>
             </a:r>
-            <a:endParaRPr lang="en-US" b="1" dirty="0" smtClean="0"/>
           </a:p>
           <a:p>
             <a:pPr marL="171450" indent="-171450">
@@ -2478,19 +2377,7 @@
                 <a:ea typeface="+mn-ea"/>
                 <a:cs typeface="+mn-cs"/>
               </a:rPr>
-              <a:t>: specifies partial configurations</a:t>
-            </a:r>
-            <a:r>
-              <a:rPr lang="en-US" sz="1200" b="0" i="0" kern="1200" dirty="0" smtClean="0">
-                <a:solidFill>
-                  <a:schemeClr val="tx1"/>
-                </a:solidFill>
-                <a:effectLst/>
-                <a:latin typeface="+mn-lt"/>
-                <a:ea typeface="+mn-ea"/>
-                <a:cs typeface="+mn-cs"/>
-              </a:rPr>
-              <a:t>.</a:t>
+              <a:t>: specifies partial configurations.</a:t>
             </a:r>
             <a:endParaRPr lang="en-US" sz="1200" b="0" i="0" kern="1200" dirty="0">
               <a:solidFill>
@@ -2697,7 +2584,6 @@
               <a:rPr lang="en-US" b="1" dirty="0" smtClean="0"/>
               <a:t>Notes:</a:t>
             </a:r>
-            <a:endParaRPr lang="en-US" b="1" dirty="0" smtClean="0"/>
           </a:p>
           <a:p>
             <a:pPr marL="171450" indent="-171450">
@@ -2714,8 +2600,14 @@
                 <a:ea typeface="+mn-ea"/>
                 <a:cs typeface="+mn-cs"/>
               </a:rPr>
-              <a:t>The chef-client has specific components that are designed to support unique aspects of the Microsoft Windows platform, including Windows PowerShell, Internet Information Services (IIS), and SQL Server</a:t>
-            </a:r>
+              <a:t>The chef-client has specific components that are designed to support unique aspects of the Microsoft Windows platform, including Windows PowerShell, Internet Information Services (IIS), and SQL Server.</a:t>
+            </a:r>
+          </a:p>
+          <a:p>
+            <a:pPr marL="171450" indent="-171450">
+              <a:buFont typeface="Arial"/>
+              <a:buChar char="•"/>
+            </a:pPr>
             <a:r>
               <a:rPr lang="en-US" sz="1200" b="0" i="0" kern="1200" dirty="0" smtClean="0">
                 <a:solidFill>
@@ -2726,56 +2618,8 @@
                 <a:ea typeface="+mn-ea"/>
                 <a:cs typeface="+mn-cs"/>
               </a:rPr>
-              <a:t>.</a:t>
-            </a:r>
-            <a:endParaRPr lang="en-US" sz="1200" b="0" i="0" kern="1200" dirty="0" smtClean="0">
-              <a:solidFill>
-                <a:schemeClr val="tx1"/>
-              </a:solidFill>
-              <a:effectLst/>
-              <a:latin typeface="+mn-lt"/>
-              <a:ea typeface="+mn-ea"/>
-              <a:cs typeface="+mn-cs"/>
-            </a:endParaRPr>
-          </a:p>
-          <a:p>
-            <a:pPr marL="171450" indent="-171450">
-              <a:buFont typeface="Arial"/>
-              <a:buChar char="•"/>
-            </a:pPr>
-            <a:r>
-              <a:rPr lang="en-US" sz="1200" b="0" i="0" kern="1200" dirty="0" smtClean="0">
-                <a:solidFill>
-                  <a:schemeClr val="tx1"/>
-                </a:solidFill>
-                <a:effectLst/>
-                <a:latin typeface="+mn-lt"/>
-                <a:ea typeface="+mn-ea"/>
-                <a:cs typeface="+mn-cs"/>
-              </a:rPr>
-              <a:t>The chef-client is installed on a machine running Microsoft Windows by using a Microsoft Installer Package (MSI</a:t>
-            </a:r>
-            <a:r>
-              <a:rPr lang="en-US" sz="1200" b="0" i="0" kern="1200" dirty="0" smtClean="0">
-                <a:solidFill>
-                  <a:schemeClr val="tx1"/>
-                </a:solidFill>
-                <a:effectLst/>
-                <a:latin typeface="+mn-lt"/>
-                <a:ea typeface="+mn-ea"/>
-                <a:cs typeface="+mn-cs"/>
-              </a:rPr>
-              <a:t>)</a:t>
-            </a:r>
-            <a:endParaRPr lang="en-US" sz="1200" b="0" i="0" kern="1200" dirty="0" smtClean="0">
-              <a:solidFill>
-                <a:schemeClr val="tx1"/>
-              </a:solidFill>
-              <a:effectLst/>
-              <a:latin typeface="+mn-lt"/>
-              <a:ea typeface="+mn-ea"/>
-              <a:cs typeface="+mn-cs"/>
-            </a:endParaRPr>
+              <a:t>The chef-client is installed on a machine running Microsoft Windows by using a Microsoft Installer Package (MSI)</a:t>
+            </a:r>
           </a:p>
           <a:p>
             <a:pPr marL="171450" indent="-171450">
@@ -3037,15 +2881,6 @@
               </a:rPr>
               <a:t>.</a:t>
             </a:r>
-            <a:endParaRPr lang="en-US" sz="1200" b="0" i="0" kern="1200" baseline="0" dirty="0" smtClean="0">
-              <a:solidFill>
-                <a:schemeClr val="tx1"/>
-              </a:solidFill>
-              <a:effectLst/>
-              <a:latin typeface="+mn-lt"/>
-              <a:ea typeface="+mn-ea"/>
-              <a:cs typeface="+mn-cs"/>
-            </a:endParaRPr>
           </a:p>
           <a:p>
             <a:pPr marL="171450" marR="0" indent="-171450" algn="l" defTabSz="914400" rtl="0" eaLnBrk="1" fontAlgn="auto" latinLnBrk="0" hangingPunct="1">
@@ -3075,19 +2910,7 @@
                 <a:ea typeface="+mn-ea"/>
                 <a:cs typeface="+mn-cs"/>
               </a:rPr>
-              <a:t>Also, don’t forget about community cookbooks! Four cookbooks provide application-specific support. For PowerShell 4.0. For IIS 7.0/7.5/8.0. For SQL Server. And for configuring various settings and behaviors on a machine that is running </a:t>
-            </a:r>
-            <a:r>
-              <a:rPr lang="en-US" sz="1200" b="0" i="0" kern="1200" baseline="0" dirty="0" smtClean="0">
-                <a:solidFill>
-                  <a:schemeClr val="tx1"/>
-                </a:solidFill>
-                <a:effectLst/>
-                <a:latin typeface="+mn-lt"/>
-                <a:ea typeface="+mn-ea"/>
-                <a:cs typeface="+mn-cs"/>
-              </a:rPr>
-              <a:t>Windows</a:t>
+              <a:t>Also, don’t forget about community cookbooks! Four cookbooks provide application-specific support. For PowerShell 4.0. For IIS 7.0/7.5/8.0. For SQL Server. And for configuring various settings and behaviors on a machine that is running Windows</a:t>
             </a:r>
           </a:p>
           <a:p>
@@ -3595,11 +3418,7 @@
             </a:pPr>
             <a:r>
               <a:rPr lang="en-US" b="0" dirty="0" smtClean="0"/>
-              <a:t>This </a:t>
-            </a:r>
-            <a:r>
-              <a:rPr lang="en-US" b="0" dirty="0" smtClean="0"/>
-              <a:t>is the standard definition of </a:t>
+              <a:t>This is the standard definition of </a:t>
             </a:r>
             <a:r>
               <a:rPr lang="en-US" b="0" dirty="0" err="1" smtClean="0"/>
@@ -3667,11 +3486,7 @@
             </a:r>
             <a:r>
               <a:rPr lang="en-US" b="0" baseline="0" dirty="0" smtClean="0"/>
-              <a:t>, set </a:t>
-            </a:r>
-            <a:r>
-              <a:rPr lang="en-US" b="0" baseline="0" dirty="0" smtClean="0"/>
-              <a:t>the </a:t>
+              <a:t>, set the </a:t>
             </a:r>
             <a:r>
               <a:rPr lang="en-US" b="0" baseline="0" dirty="0" err="1" smtClean="0"/>
@@ -3679,11 +3494,7 @@
             </a:r>
             <a:r>
               <a:rPr lang="en-US" b="0" baseline="0" dirty="0" smtClean="0"/>
-              <a:t> </a:t>
-            </a:r>
-            <a:r>
-              <a:rPr lang="en-US" b="0" baseline="0" dirty="0" smtClean="0"/>
-              <a:t>attribute to :</a:t>
+              <a:t> attribute to :</a:t>
             </a:r>
             <a:r>
               <a:rPr lang="en-US" b="0" baseline="0" dirty="0" err="1" smtClean="0"/>
@@ -4032,7 +3843,6 @@
               <a:rPr lang="en-US" b="1" dirty="0" smtClean="0"/>
               <a:t>:</a:t>
             </a:r>
-            <a:endParaRPr lang="en-US" b="1" dirty="0" smtClean="0"/>
           </a:p>
           <a:p>
             <a:pPr marL="171450" marR="0" lvl="0" indent="-171450" algn="l" defTabSz="914400" rtl="0" eaLnBrk="1" fontAlgn="auto" latinLnBrk="0" hangingPunct="1">
@@ -4305,19 +4115,7 @@
                 <a:ea typeface="+mn-ea"/>
                 <a:cs typeface="+mn-cs"/>
               </a:rPr>
-              <a:t> shell</a:t>
-            </a:r>
-            <a:r>
-              <a:rPr lang="en-US" sz="1200" b="0" i="0" kern="1200" dirty="0" smtClean="0">
-                <a:solidFill>
-                  <a:schemeClr val="tx1"/>
-                </a:solidFill>
-                <a:effectLst/>
-                <a:latin typeface="+mn-lt"/>
-                <a:ea typeface="+mn-ea"/>
-                <a:cs typeface="+mn-cs"/>
-              </a:rPr>
-              <a:t>.</a:t>
+              <a:t> shell.</a:t>
             </a:r>
             <a:endParaRPr lang="en-US" sz="1200" b="0" i="0" kern="1200" dirty="0">
               <a:solidFill>
@@ -4487,19 +4285,7 @@
                 <a:ea typeface="+mn-ea"/>
                 <a:cs typeface="+mn-cs"/>
               </a:rPr>
-              <a:t>This is an example of changing the working </a:t>
-            </a:r>
-            <a:r>
-              <a:rPr lang="en-US" sz="1200" b="0" i="0" kern="1200" baseline="0" dirty="0" smtClean="0">
-                <a:solidFill>
-                  <a:schemeClr val="tx1"/>
-                </a:solidFill>
-                <a:effectLst/>
-                <a:latin typeface="+mn-lt"/>
-                <a:ea typeface="+mn-ea"/>
-                <a:cs typeface="+mn-cs"/>
-              </a:rPr>
-              <a:t>directory</a:t>
+              <a:t>This is an example of changing the working directory</a:t>
             </a:r>
           </a:p>
           <a:p>
@@ -4570,19 +4356,7 @@
                 <a:ea typeface="+mn-ea"/>
                 <a:cs typeface="+mn-cs"/>
               </a:rPr>
-              <a:t>This </a:t>
-            </a:r>
-            <a:r>
-              <a:rPr lang="en-US" sz="1200" b="0" i="0" kern="1200" baseline="0" dirty="0" smtClean="0">
-                <a:solidFill>
-                  <a:schemeClr val="tx1"/>
-                </a:solidFill>
-                <a:effectLst/>
-                <a:latin typeface="+mn-lt"/>
-                <a:ea typeface="+mn-ea"/>
-                <a:cs typeface="+mn-cs"/>
-              </a:rPr>
-              <a:t>is an example of setting the </a:t>
+              <a:t>This is an example of setting the </a:t>
             </a:r>
             <a:r>
               <a:rPr lang="en-US" sz="1200" b="0" i="0" kern="1200" baseline="0" dirty="0" err="1" smtClean="0">
@@ -4630,19 +4404,7 @@
                 <a:ea typeface="+mn-ea"/>
                 <a:cs typeface="+mn-cs"/>
               </a:rPr>
-              <a:t> runs the </a:t>
-            </a:r>
-            <a:r>
-              <a:rPr lang="en-US" sz="1200" b="0" i="0" kern="1200" baseline="0" dirty="0" smtClean="0">
-                <a:solidFill>
-                  <a:schemeClr val="tx1"/>
-                </a:solidFill>
-                <a:effectLst/>
-                <a:latin typeface="+mn-lt"/>
-                <a:ea typeface="+mn-ea"/>
-                <a:cs typeface="+mn-cs"/>
-              </a:rPr>
-              <a:t>code</a:t>
+              <a:t> runs the code</a:t>
             </a:r>
           </a:p>
           <a:p>
@@ -4859,11 +4621,7 @@
             </a:pPr>
             <a:r>
               <a:rPr lang="en-US" dirty="0" smtClean="0"/>
-              <a:t>The </a:t>
-            </a:r>
-            <a:r>
-              <a:rPr lang="en-US" dirty="0" smtClean="0"/>
-              <a:t>goal of this lesson is to learn about the benefits of using Chef on</a:t>
+              <a:t>The goal of this lesson is to learn about the benefits of using Chef on</a:t>
             </a:r>
             <a:r>
               <a:rPr lang="en-US" baseline="0" dirty="0" smtClean="0"/>
@@ -4961,7 +4719,6 @@
               <a:rPr lang="en-US" b="1" dirty="0" smtClean="0"/>
               <a:t>Notes:</a:t>
             </a:r>
-            <a:endParaRPr lang="en-US" b="1" dirty="0" smtClean="0"/>
           </a:p>
           <a:p>
             <a:pPr marL="171450" indent="-171450">
@@ -4970,13 +4727,8 @@
             </a:pPr>
             <a:r>
               <a:rPr lang="en-US" dirty="0" smtClean="0"/>
-              <a:t>Warning</a:t>
-            </a:r>
-            <a:r>
-              <a:rPr lang="en-US" dirty="0" smtClean="0"/>
-              <a:t>!</a:t>
-            </a:r>
-            <a:endParaRPr lang="en-US" dirty="0" smtClean="0"/>
+              <a:t>Warning!</a:t>
+            </a:r>
           </a:p>
           <a:p>
             <a:pPr marL="628650" lvl="1" indent="-171450">
@@ -5043,19 +4795,7 @@
                 <a:ea typeface="+mn-ea"/>
                 <a:cs typeface="+mn-cs"/>
               </a:rPr>
-              <a:t>Windows </a:t>
-            </a:r>
-            <a:r>
-              <a:rPr lang="en-US" sz="1200" b="0" i="0" kern="1200" dirty="0" smtClean="0">
-                <a:solidFill>
-                  <a:schemeClr val="tx1"/>
-                </a:solidFill>
-                <a:effectLst/>
-                <a:latin typeface="+mn-lt"/>
-                <a:ea typeface="+mn-ea"/>
-                <a:cs typeface="+mn-cs"/>
-              </a:rPr>
-              <a:t>PowerShell 4.0 is required for using the </a:t>
+              <a:t>Windows PowerShell 4.0 is required for using the </a:t>
             </a:r>
             <a:r>
               <a:rPr lang="en-US" sz="1200" b="1" i="0" kern="1200" dirty="0" err="1" smtClean="0">
@@ -5356,7 +5096,6 @@
               <a:rPr lang="en-US" b="1" dirty="0" smtClean="0"/>
               <a:t>:</a:t>
             </a:r>
-            <a:endParaRPr lang="en-US" b="1" dirty="0" smtClean="0"/>
           </a:p>
           <a:p>
             <a:pPr marL="171450" marR="0" lvl="0" indent="-171450" algn="l" defTabSz="914400" rtl="0" eaLnBrk="1" fontAlgn="auto" latinLnBrk="0" hangingPunct="1">
@@ -5404,7 +5143,6 @@
               <a:rPr lang="en-US" b="0" baseline="0" dirty="0" smtClean="0"/>
               <a:t>.</a:t>
             </a:r>
-            <a:endParaRPr lang="en-US" b="0" baseline="0" dirty="0" smtClean="0"/>
           </a:p>
           <a:p>
             <a:pPr marL="171450" marR="0" lvl="0" indent="-171450" algn="l" defTabSz="914400" rtl="0" eaLnBrk="1" fontAlgn="auto" latinLnBrk="0" hangingPunct="1">
@@ -5569,7 +5307,6 @@
               <a:rPr lang="en-US" b="1" dirty="0" smtClean="0"/>
               <a:t>:</a:t>
             </a:r>
-            <a:endParaRPr lang="en-US" b="1" dirty="0" smtClean="0"/>
           </a:p>
           <a:p>
             <a:pPr marL="171450" marR="0" lvl="0" indent="-171450" algn="l" defTabSz="914400" rtl="0" eaLnBrk="1" fontAlgn="auto" latinLnBrk="0" hangingPunct="1">
@@ -6328,29 +6065,8 @@
                 <a:ea typeface="+mn-ea"/>
                 <a:cs typeface="+mn-cs"/>
               </a:rPr>
-              <a:t> resource block allows DSC resources to be used in a Chef recipe</a:t>
-            </a:r>
-            <a:r>
-              <a:rPr lang="en-US" sz="1200" b="0" i="0" kern="1200" dirty="0" smtClean="0">
-                <a:solidFill>
-                  <a:schemeClr val="tx1"/>
-                </a:solidFill>
-                <a:effectLst/>
-                <a:latin typeface="+mn-lt"/>
-                <a:ea typeface="+mn-ea"/>
-                <a:cs typeface="+mn-cs"/>
-              </a:rPr>
-              <a:t>.</a:t>
-            </a:r>
-            <a:endParaRPr lang="en-US" sz="1200" b="0" i="0" kern="1200" dirty="0" smtClean="0">
-              <a:solidFill>
-                <a:schemeClr val="tx1"/>
-              </a:solidFill>
-              <a:effectLst/>
-              <a:latin typeface="+mn-lt"/>
-              <a:ea typeface="+mn-ea"/>
-              <a:cs typeface="+mn-cs"/>
-            </a:endParaRPr>
+              <a:t> resource block allows DSC resources to be used in a Chef recipe.</a:t>
+            </a:r>
           </a:p>
           <a:p>
             <a:pPr marL="171450" marR="0" lvl="0" indent="-171450" algn="l" defTabSz="914400" rtl="0" eaLnBrk="1" fontAlgn="auto" latinLnBrk="0" hangingPunct="1">
@@ -6395,16 +6111,7 @@
                 </a:solidFill>
                 <a:latin typeface="Calibri" charset="0"/>
               </a:rPr>
-              <a:t>. The resource attribute here is “:archive”. The property attribute property is zero (or more) properties in the DSC resource, where each property is entered on a separate line</a:t>
-            </a:r>
-            <a:r>
-              <a:rPr lang="en-US" sz="1200" b="0" i="0" u="none" strike="noStrike" kern="1200" baseline="0" dirty="0" smtClean="0">
-                <a:solidFill>
-                  <a:srgbClr val="000000"/>
-                </a:solidFill>
-                <a:latin typeface="Calibri" charset="0"/>
-              </a:rPr>
-              <a:t>.</a:t>
+              <a:t>. The resource attribute here is “:archive”. The property attribute property is zero (or more) properties in the DSC resource, where each property is entered on a separate line.</a:t>
             </a:r>
           </a:p>
           <a:p>
@@ -6751,29 +6458,8 @@
                 <a:ea typeface="+mn-ea"/>
                 <a:cs typeface="+mn-cs"/>
               </a:rPr>
-              <a:t> attributes for this resource are</a:t>
-            </a:r>
-            <a:r>
-              <a:rPr lang="en-US" sz="1200" b="0" i="0" kern="1200" baseline="0" dirty="0" smtClean="0">
-                <a:solidFill>
-                  <a:schemeClr val="tx1"/>
-                </a:solidFill>
-                <a:effectLst/>
-                <a:latin typeface="+mn-lt"/>
-                <a:ea typeface="+mn-ea"/>
-                <a:cs typeface="+mn-cs"/>
-              </a:rPr>
-              <a:t>:</a:t>
-            </a:r>
-            <a:endParaRPr lang="en-US" sz="1200" b="0" i="0" kern="1200" baseline="0" dirty="0" smtClean="0">
-              <a:solidFill>
-                <a:schemeClr val="tx1"/>
-              </a:solidFill>
-              <a:effectLst/>
-              <a:latin typeface="+mn-lt"/>
-              <a:ea typeface="+mn-ea"/>
-              <a:cs typeface="+mn-cs"/>
-            </a:endParaRPr>
+              <a:t> attributes for this resource are:</a:t>
+            </a:r>
           </a:p>
           <a:p>
             <a:pPr marL="628650" marR="0" lvl="1" indent="-171450" algn="l" defTabSz="914400" rtl="0" eaLnBrk="1" fontAlgn="auto" latinLnBrk="0" hangingPunct="1">
@@ -6940,29 +6626,8 @@
                 <a:ea typeface="+mn-ea"/>
                 <a:cs typeface="+mn-cs"/>
               </a:rPr>
-              <a:t>, property, and resource are properties of this resource, with the Ruby type shown. See “Properties” section below for more information about all of the properties that may be used with this resource</a:t>
-            </a:r>
-            <a:r>
-              <a:rPr lang="en-US" sz="1200" b="0" i="0" kern="1200" dirty="0" smtClean="0">
-                <a:solidFill>
-                  <a:schemeClr val="tx1"/>
-                </a:solidFill>
-                <a:effectLst/>
-                <a:latin typeface="+mn-lt"/>
-                <a:ea typeface="+mn-ea"/>
-                <a:cs typeface="+mn-cs"/>
-              </a:rPr>
-              <a:t>.</a:t>
-            </a:r>
-            <a:endParaRPr lang="en-US" sz="1200" b="0" i="0" kern="1200" dirty="0" smtClean="0">
-              <a:solidFill>
-                <a:schemeClr val="tx1"/>
-              </a:solidFill>
-              <a:effectLst/>
-              <a:latin typeface="+mn-lt"/>
-              <a:ea typeface="+mn-ea"/>
-              <a:cs typeface="+mn-cs"/>
-            </a:endParaRPr>
+              <a:t>, property, and resource are properties of this resource, with the Ruby type shown. See “Properties” section below for more information about all of the properties that may be used with this resource.</a:t>
+            </a:r>
           </a:p>
           <a:p>
             <a:pPr marL="171450" marR="0" lvl="0" indent="-171450" algn="l" defTabSz="914400" rtl="0" eaLnBrk="1" fontAlgn="auto" latinLnBrk="0" hangingPunct="1">
@@ -7028,19 +6693,7 @@
                 <a:ea typeface="+mn-ea"/>
                 <a:cs typeface="+mn-cs"/>
               </a:rPr>
-              <a:t> are</a:t>
-            </a:r>
-            <a:r>
-              <a:rPr lang="en-US" sz="1200" b="0" i="0" kern="1200" baseline="0" dirty="0" smtClean="0">
-                <a:solidFill>
-                  <a:schemeClr val="tx1"/>
-                </a:solidFill>
-                <a:effectLst/>
-                <a:latin typeface="+mn-lt"/>
-                <a:ea typeface="+mn-ea"/>
-                <a:cs typeface="+mn-cs"/>
-              </a:rPr>
-              <a:t>:</a:t>
+              <a:t> are:</a:t>
             </a:r>
             <a:endParaRPr lang="en-US" sz="1200" b="0" i="0" kern="1200" dirty="0" smtClean="0">
               <a:solidFill>
@@ -7287,19 +6940,7 @@
                 <a:ea typeface="+mn-ea"/>
                 <a:cs typeface="+mn-cs"/>
               </a:rPr>
-              <a:t> (queued reboot) actions built into the reboot resource</a:t>
-            </a:r>
-            <a:r>
-              <a:rPr lang="en-US" sz="1200" b="0" i="0" kern="1200" dirty="0" smtClean="0">
-                <a:solidFill>
-                  <a:schemeClr val="tx1"/>
-                </a:solidFill>
-                <a:effectLst/>
-                <a:latin typeface="+mn-lt"/>
-                <a:ea typeface="+mn-ea"/>
-                <a:cs typeface="+mn-cs"/>
-              </a:rPr>
-              <a:t>..</a:t>
+              <a:t> (queued reboot) actions built into the reboot resource..</a:t>
             </a:r>
           </a:p>
           <a:p>
@@ -7876,19 +7517,7 @@
                 <a:ea typeface="+mn-ea"/>
                 <a:cs typeface="+mn-cs"/>
               </a:rPr>
-              <a:t>Configurations </a:t>
-            </a:r>
-            <a:r>
-              <a:rPr lang="en-US" sz="1200" b="0" i="0" kern="1200" dirty="0" smtClean="0">
-                <a:solidFill>
-                  <a:schemeClr val="tx1"/>
-                </a:solidFill>
-                <a:effectLst/>
-                <a:latin typeface="+mn-lt"/>
-                <a:ea typeface="+mn-ea"/>
-                <a:cs typeface="+mn-cs"/>
-              </a:rPr>
-              <a:t>are declarative </a:t>
+              <a:t>Configurations are declarative </a:t>
             </a:r>
             <a:r>
               <a:rPr lang="en-US" sz="1200" b="1" i="0" kern="1200" dirty="0" smtClean="0">
@@ -7936,29 +7565,8 @@
                 <a:ea typeface="+mn-ea"/>
                 <a:cs typeface="+mn-cs"/>
               </a:rPr>
-              <a:t> (and the resources being called by the configuration) will simply “make it so”, ensuring that the system exists in the state laid out by the configuration</a:t>
-            </a:r>
-            <a:r>
-              <a:rPr lang="en-US" sz="1200" b="0" i="0" kern="1200" dirty="0" smtClean="0">
-                <a:solidFill>
-                  <a:schemeClr val="tx1"/>
-                </a:solidFill>
-                <a:effectLst/>
-                <a:latin typeface="+mn-lt"/>
-                <a:ea typeface="+mn-ea"/>
-                <a:cs typeface="+mn-cs"/>
-              </a:rPr>
-              <a:t>.</a:t>
-            </a:r>
-            <a:endParaRPr lang="en-US" sz="1200" b="0" i="0" kern="1200" dirty="0" smtClean="0">
-              <a:solidFill>
-                <a:schemeClr val="tx1"/>
-              </a:solidFill>
-              <a:effectLst/>
-              <a:latin typeface="+mn-lt"/>
-              <a:ea typeface="+mn-ea"/>
-              <a:cs typeface="+mn-cs"/>
-            </a:endParaRPr>
+              <a:t> (and the resources being called by the configuration) will simply “make it so”, ensuring that the system exists in the state laid out by the configuration.</a:t>
+            </a:r>
           </a:p>
           <a:p>
             <a:pPr marL="171450" indent="-171450">
@@ -8052,15 +7660,6 @@
               </a:rPr>
               <a:t>References:</a:t>
             </a:r>
-            <a:endParaRPr lang="en-US" sz="1200" b="1" i="0" kern="1200" dirty="0" smtClean="0">
-              <a:solidFill>
-                <a:schemeClr val="tx1"/>
-              </a:solidFill>
-              <a:effectLst/>
-              <a:latin typeface="+mn-lt"/>
-              <a:ea typeface="+mn-ea"/>
-              <a:cs typeface="+mn-cs"/>
-            </a:endParaRPr>
           </a:p>
           <a:p>
             <a:pPr marL="171450" indent="-171450">
@@ -8449,11 +8048,7 @@
             </a:pPr>
             <a:r>
               <a:rPr lang="en-US" dirty="0" smtClean="0"/>
-              <a:t>Six </a:t>
-            </a:r>
-            <a:r>
-              <a:rPr lang="en-US" dirty="0" smtClean="0"/>
-              <a:t>resources dedicated to the Microsoft Windows platform are built into the chef-client: batch, </a:t>
+              <a:t>Six resources dedicated to the Microsoft Windows platform are built into the chef-client: batch, </a:t>
             </a:r>
             <a:r>
               <a:rPr lang="en-US" dirty="0" err="1" smtClean="0"/>
@@ -8552,7 +8147,6 @@
               <a:rPr lang="en-US" dirty="0" smtClean="0"/>
               <a:t>.</a:t>
             </a:r>
-            <a:endParaRPr lang="en-US" dirty="0" smtClean="0"/>
           </a:p>
           <a:p>
             <a:pPr marL="171450" indent="-171450">
@@ -8607,29 +8201,8 @@
                 <a:ea typeface="+mn-ea"/>
                 <a:cs typeface="+mn-cs"/>
               </a:rPr>
-              <a:t> resource to manage environment keys in Microsoft Windows. After an environment key is set, Microsoft Windows must be restarted before the environment key will be available to the Task Scheduler</a:t>
-            </a:r>
-            <a:r>
-              <a:rPr lang="en-US" sz="1200" b="0" i="0" kern="1200" dirty="0" smtClean="0">
-                <a:solidFill>
-                  <a:schemeClr val="tx1"/>
-                </a:solidFill>
-                <a:effectLst/>
-                <a:latin typeface="+mn-lt"/>
-                <a:ea typeface="+mn-ea"/>
-                <a:cs typeface="+mn-cs"/>
-              </a:rPr>
-              <a:t>.</a:t>
-            </a:r>
-            <a:endParaRPr lang="en-US" sz="1200" b="0" i="0" kern="1200" dirty="0" smtClean="0">
-              <a:solidFill>
-                <a:schemeClr val="tx1"/>
-              </a:solidFill>
-              <a:effectLst/>
-              <a:latin typeface="+mn-lt"/>
-              <a:ea typeface="+mn-ea"/>
-              <a:cs typeface="+mn-cs"/>
-            </a:endParaRPr>
+              <a:t> resource to manage environment keys in Microsoft Windows. After an environment key is set, Microsoft Windows must be restarted before the environment key will be available to the Task Scheduler.</a:t>
+            </a:r>
           </a:p>
           <a:p>
             <a:pPr marL="171450" indent="-171450">
@@ -8700,29 +8273,8 @@
                 <a:ea typeface="+mn-ea"/>
                 <a:cs typeface="+mn-cs"/>
               </a:rPr>
-              <a:t> resource to create and delete registry keys in Microsoft Windows</a:t>
-            </a:r>
-            <a:r>
-              <a:rPr lang="en-US" sz="1200" b="0" i="0" kern="1200" dirty="0" smtClean="0">
-                <a:solidFill>
-                  <a:schemeClr val="tx1"/>
-                </a:solidFill>
-                <a:effectLst/>
-                <a:latin typeface="+mn-lt"/>
-                <a:ea typeface="+mn-ea"/>
-                <a:cs typeface="+mn-cs"/>
-              </a:rPr>
-              <a:t>.</a:t>
-            </a:r>
-            <a:endParaRPr lang="en-US" sz="1200" b="0" i="0" kern="1200" dirty="0" smtClean="0">
-              <a:solidFill>
-                <a:schemeClr val="tx1"/>
-              </a:solidFill>
-              <a:effectLst/>
-              <a:latin typeface="+mn-lt"/>
-              <a:ea typeface="+mn-ea"/>
-              <a:cs typeface="+mn-cs"/>
-            </a:endParaRPr>
+              <a:t> resource to create and delete registry keys in Microsoft Windows.</a:t>
+            </a:r>
           </a:p>
           <a:p>
             <a:pPr marL="171450" indent="-171450">
@@ -8922,19 +8474,7 @@
                 <a:ea typeface="+mn-ea"/>
                 <a:cs typeface="+mn-cs"/>
               </a:rPr>
-              <a:t>Example</a:t>
-            </a:r>
-            <a:r>
-              <a:rPr lang="en-US" sz="1200" b="0" i="0" kern="1200" dirty="0" smtClean="0">
-                <a:solidFill>
-                  <a:schemeClr val="tx1"/>
-                </a:solidFill>
-                <a:effectLst/>
-                <a:latin typeface="+mn-lt"/>
-                <a:ea typeface="+mn-ea"/>
-                <a:cs typeface="+mn-cs"/>
-              </a:rPr>
-              <a:t>:</a:t>
+              <a:t>Example:</a:t>
             </a:r>
           </a:p>
           <a:p>
@@ -9502,15 +9042,6 @@
               </a:rPr>
               <a:t>References:</a:t>
             </a:r>
-            <a:endParaRPr lang="en-US" sz="1200" b="1" i="0" kern="1200" dirty="0" smtClean="0">
-              <a:solidFill>
-                <a:schemeClr val="tx1"/>
-              </a:solidFill>
-              <a:effectLst/>
-              <a:latin typeface="+mn-lt"/>
-              <a:ea typeface="+mn-ea"/>
-              <a:cs typeface="+mn-cs"/>
-            </a:endParaRPr>
           </a:p>
           <a:p>
             <a:pPr marL="171450" marR="0" indent="-171450" algn="l" defTabSz="914400" rtl="0" eaLnBrk="1" fontAlgn="auto" latinLnBrk="0" hangingPunct="1">
@@ -9725,7 +9256,6 @@
               <a:rPr lang="en-US" b="1" dirty="0" smtClean="0"/>
               <a:t>Notes:</a:t>
             </a:r>
-            <a:endParaRPr lang="en-US" b="1" dirty="0" smtClean="0"/>
           </a:p>
           <a:p>
             <a:pPr marL="171450" indent="-171450">
@@ -10186,11 +9716,7 @@
             </a:pPr>
             <a:r>
               <a:rPr lang="en-US" dirty="0" smtClean="0"/>
-              <a:t>http</a:t>
-            </a:r>
-            <a:r>
-              <a:rPr lang="en-US" dirty="0" smtClean="0"/>
-              <a:t>://</a:t>
+              <a:t>http://</a:t>
             </a:r>
             <a:r>
               <a:rPr lang="en-US" dirty="0" err="1" smtClean="0"/>
@@ -10358,11 +9884,7 @@
             </a:pPr>
             <a:r>
               <a:rPr lang="en-US" dirty="0" smtClean="0"/>
-              <a:t>Chef </a:t>
-            </a:r>
-            <a:r>
-              <a:rPr lang="en-US" dirty="0" smtClean="0"/>
-              <a:t>is a mature automation platform, not a platform feature, like DSC. The benefits of this are</a:t>
+              <a:t>Chef is a mature automation platform, not a platform feature, like DSC. The benefits of this are</a:t>
             </a:r>
             <a:r>
               <a:rPr lang="en-US" baseline="0" dirty="0" smtClean="0"/>
@@ -10470,11 +9992,7 @@
             </a:pPr>
             <a:r>
               <a:rPr lang="en-US" dirty="0" smtClean="0"/>
-              <a:t>https</a:t>
-            </a:r>
-            <a:r>
-              <a:rPr lang="en-US" dirty="0" smtClean="0"/>
-              <a:t>://</a:t>
+              <a:t>https://</a:t>
             </a:r>
             <a:r>
               <a:rPr lang="en-US" dirty="0" err="1" smtClean="0"/>
@@ -10580,7 +10098,6 @@
               <a:rPr lang="en-US" b="1" dirty="0" smtClean="0"/>
               <a:t>Notes:</a:t>
             </a:r>
-            <a:endParaRPr lang="en-US" b="1" dirty="0" smtClean="0"/>
           </a:p>
           <a:p>
             <a:pPr marL="171450" indent="-171450">
@@ -10775,19 +10292,7 @@
                 <a:ea typeface="+mn-ea"/>
                 <a:cs typeface="+mn-cs"/>
               </a:rPr>
-              <a:t> resource to embed the code that defines a DSC configuration directly within a Chef recipe</a:t>
-            </a:r>
-            <a:r>
-              <a:rPr lang="en-US" sz="1200" b="0" i="0" kern="1200" dirty="0" smtClean="0">
-                <a:solidFill>
-                  <a:schemeClr val="tx1"/>
-                </a:solidFill>
-                <a:effectLst/>
-                <a:latin typeface="+mn-lt"/>
-                <a:ea typeface="+mn-ea"/>
-                <a:cs typeface="+mn-cs"/>
-              </a:rPr>
-              <a:t>.</a:t>
+              <a:t> resource to embed the code that defines a DSC configuration directly within a Chef recipe.</a:t>
             </a:r>
           </a:p>
           <a:p>
@@ -10952,7 +10457,6 @@
               <a:rPr lang="en-US" b="1" dirty="0" smtClean="0"/>
               <a:t>Notes:</a:t>
             </a:r>
-            <a:endParaRPr lang="en-US" b="1" dirty="0" smtClean="0"/>
           </a:p>
           <a:p>
             <a:pPr marL="171450" indent="-171450">
@@ -10982,13 +10486,8 @@
             </a:pPr>
             <a:r>
               <a:rPr lang="en-US" baseline="0" dirty="0" smtClean="0"/>
-              <a:t>In Chef we</a:t>
-            </a:r>
-            <a:r>
-              <a:rPr lang="en-US" baseline="0" dirty="0" smtClean="0"/>
-              <a:t>:</a:t>
-            </a:r>
-            <a:endParaRPr lang="en-US" baseline="0" dirty="0" smtClean="0"/>
+              <a:t>In Chef we:</a:t>
+            </a:r>
           </a:p>
           <a:p>
             <a:pPr marL="685800" lvl="1" indent="-228600">
@@ -10997,11 +10496,7 @@
             </a:pPr>
             <a:r>
               <a:rPr lang="en-US" baseline="0" dirty="0" smtClean="0"/>
-              <a:t>Define </a:t>
-            </a:r>
-            <a:r>
-              <a:rPr lang="en-US" baseline="0" dirty="0" smtClean="0"/>
-              <a:t>our policy by writing a </a:t>
+              <a:t>Define our policy by writing a </a:t>
             </a:r>
             <a:r>
               <a:rPr lang="en-US" baseline="0" dirty="0" err="1" smtClean="0"/>
@@ -11034,11 +10529,7 @@
             </a:pPr>
             <a:r>
               <a:rPr lang="en-US" baseline="0" dirty="0" smtClean="0"/>
-              <a:t>Build </a:t>
-            </a:r>
-            <a:r>
-              <a:rPr lang="en-US" baseline="0" dirty="0" smtClean="0"/>
-              <a:t>the Resource Collection with chef-client on the client</a:t>
+              <a:t>Build the Resource Collection with chef-client on the client</a:t>
             </a:r>
           </a:p>
           <a:p>
@@ -11055,13 +10546,8 @@
             </a:pPr>
             <a:r>
               <a:rPr lang="en-US" baseline="0" dirty="0" smtClean="0"/>
-              <a:t>In DSC, we would instead</a:t>
-            </a:r>
-            <a:r>
-              <a:rPr lang="en-US" baseline="0" dirty="0" smtClean="0"/>
-              <a:t>:</a:t>
-            </a:r>
-            <a:endParaRPr lang="en-US" baseline="0" dirty="0" smtClean="0"/>
+              <a:t>In DSC, we would instead:</a:t>
+            </a:r>
           </a:p>
           <a:p>
             <a:pPr marL="685800" lvl="1" indent="-228600">
@@ -11070,11 +10556,7 @@
             </a:pPr>
             <a:r>
               <a:rPr lang="en-US" baseline="0" dirty="0" smtClean="0"/>
-              <a:t>Create </a:t>
-            </a:r>
-            <a:r>
-              <a:rPr lang="en-US" baseline="0" dirty="0" smtClean="0"/>
-              <a:t>a series of composite resources</a:t>
+              <a:t>Create a series of composite resources</a:t>
             </a:r>
           </a:p>
           <a:p>
@@ -11084,11 +10566,7 @@
             </a:pPr>
             <a:r>
               <a:rPr lang="en-US" baseline="0" dirty="0" smtClean="0"/>
-              <a:t>(</a:t>
-            </a:r>
-            <a:r>
-              <a:rPr lang="en-US" baseline="0" dirty="0" smtClean="0"/>
-              <a:t>no equivalent of </a:t>
+              <a:t>(no equivalent of </a:t>
             </a:r>
             <a:r>
               <a:rPr lang="en-US" baseline="0" dirty="0" err="1" smtClean="0"/>
@@ -11106,15 +10584,7 @@
             </a:pPr>
             <a:r>
               <a:rPr lang="en-US" baseline="0" dirty="0" smtClean="0"/>
-              <a:t>Run </a:t>
-            </a:r>
-            <a:r>
-              <a:rPr lang="en-US" baseline="0" dirty="0" smtClean="0"/>
-              <a:t>a Configuration Script and generate our MOF document (assuming we chose to do so on the node, not with a pull server</a:t>
-            </a:r>
-            <a:r>
-              <a:rPr lang="en-US" baseline="0" dirty="0" smtClean="0"/>
-              <a:t>)</a:t>
+              <a:t>Run a Configuration Script and generate our MOF document (assuming we chose to do so on the node, not with a pull server)</a:t>
             </a:r>
           </a:p>
           <a:p>
@@ -11361,7 +10831,7 @@
             <a:fld id="{0459C166-16D3-4A25-A2F8-C51E0E346B22}" type="datetimeFigureOut">
               <a:rPr lang="en-US" smtClean="0"/>
               <a:pPr/>
-              <a:t>6/20/16</a:t>
+              <a:t>6/30/16</a:t>
             </a:fld>
             <a:endParaRPr lang="en-US"/>
           </a:p>
@@ -11730,7 +11200,7 @@
             <a:fld id="{0459C166-16D3-4A25-A2F8-C51E0E346B22}" type="datetimeFigureOut">
               <a:rPr lang="en-US" smtClean="0"/>
               <a:pPr/>
-              <a:t>6/20/16</a:t>
+              <a:t>6/30/16</a:t>
             </a:fld>
             <a:endParaRPr lang="en-US"/>
           </a:p>
@@ -11850,7 +11320,7 @@
             <a:fld id="{0459C166-16D3-4A25-A2F8-C51E0E346B22}" type="datetimeFigureOut">
               <a:rPr lang="en-US" smtClean="0"/>
               <a:pPr/>
-              <a:t>6/20/16</a:t>
+              <a:t>6/30/16</a:t>
             </a:fld>
             <a:endParaRPr lang="en-US"/>
           </a:p>
@@ -12301,7 +11771,7 @@
             <a:fld id="{0459C166-16D3-4A25-A2F8-C51E0E346B22}" type="datetimeFigureOut">
               <a:rPr lang="en-US" smtClean="0"/>
               <a:pPr/>
-              <a:t>6/20/16</a:t>
+              <a:t>6/30/16</a:t>
             </a:fld>
             <a:endParaRPr lang="en-US"/>
           </a:p>
@@ -12567,7 +12037,7 @@
             <a:fld id="{0459C166-16D3-4A25-A2F8-C51E0E346B22}" type="datetimeFigureOut">
               <a:rPr lang="en-US" smtClean="0"/>
               <a:pPr/>
-              <a:t>6/20/16</a:t>
+              <a:t>6/30/16</a:t>
             </a:fld>
             <a:endParaRPr lang="en-US"/>
           </a:p>
@@ -12887,7 +12357,7 @@
             <a:fld id="{0459C166-16D3-4A25-A2F8-C51E0E346B22}" type="datetimeFigureOut">
               <a:rPr lang="en-US" smtClean="0"/>
               <a:pPr/>
-              <a:t>6/20/16</a:t>
+              <a:t>6/30/16</a:t>
             </a:fld>
             <a:endParaRPr lang="en-US"/>
           </a:p>
@@ -13286,7 +12756,7 @@
             <a:fld id="{0459C166-16D3-4A25-A2F8-C51E0E346B22}" type="datetimeFigureOut">
               <a:rPr lang="en-US" smtClean="0"/>
               <a:pPr/>
-              <a:t>6/20/16</a:t>
+              <a:t>6/30/16</a:t>
             </a:fld>
             <a:endParaRPr lang="en-US"/>
           </a:p>
@@ -14258,7 +13728,7 @@
             <a:fld id="{0459C166-16D3-4A25-A2F8-C51E0E346B22}" type="datetimeFigureOut">
               <a:rPr lang="en-US" smtClean="0"/>
               <a:pPr/>
-              <a:t>6/20/16</a:t>
+              <a:t>6/30/16</a:t>
             </a:fld>
             <a:endParaRPr lang="en-US"/>
           </a:p>
@@ -14472,7 +13942,7 @@
             <a:fld id="{0459C166-16D3-4A25-A2F8-C51E0E346B22}" type="datetimeFigureOut">
               <a:rPr lang="en-US" smtClean="0"/>
               <a:pPr/>
-              <a:t>6/20/16</a:t>
+              <a:t>6/30/16</a:t>
             </a:fld>
             <a:endParaRPr lang="en-US"/>
           </a:p>
@@ -15058,7 +14528,7 @@
           <p:nvPr>
             <p:extLst>
               <p:ext uri="{D42A27DB-BD31-4B8C-83A1-F6EECF244321}">
-                <p14:modId xmlns:p14="http://schemas.microsoft.com/office/powerpoint/2010/main" val="4013913912"/>
+                <p14:modId xmlns:p14="http://schemas.microsoft.com/office/powerpoint/2010/main" val="3596337917"/>
               </p:ext>
             </p:extLst>
           </p:nvPr>
@@ -15077,21 +14547,21 @@
                 <a:gridCol w="3505200">
                   <a:extLst>
                     <a:ext uri="{9D8B030D-6E8A-4147-A177-3AD203B41FA5}">
-                      <a16:colId xmlns:a16="http://schemas.microsoft.com/office/drawing/2014/main" xmlns="" val="48614039"/>
+                      <a16:colId xmlns="" xmlns:a16="http://schemas.microsoft.com/office/drawing/2014/main" val="48614039"/>
                     </a:ext>
                   </a:extLst>
                 </a:gridCol>
                 <a:gridCol w="3505200">
                   <a:extLst>
                     <a:ext uri="{9D8B030D-6E8A-4147-A177-3AD203B41FA5}">
-                      <a16:colId xmlns:a16="http://schemas.microsoft.com/office/drawing/2014/main" xmlns="" val="1124546490"/>
+                      <a16:colId xmlns="" xmlns:a16="http://schemas.microsoft.com/office/drawing/2014/main" val="1124546490"/>
                     </a:ext>
                   </a:extLst>
                 </a:gridCol>
                 <a:gridCol w="3505200">
                   <a:extLst>
                     <a:ext uri="{9D8B030D-6E8A-4147-A177-3AD203B41FA5}">
-                      <a16:colId xmlns:a16="http://schemas.microsoft.com/office/drawing/2014/main" xmlns="" val="2986980724"/>
+                      <a16:colId xmlns="" xmlns:a16="http://schemas.microsoft.com/office/drawing/2014/main" val="2986980724"/>
                     </a:ext>
                   </a:extLst>
                 </a:gridCol>
@@ -15104,14 +14574,14 @@
                     <a:p>
                       <a:pPr algn="ctr"/>
                       <a:r>
-                        <a:rPr lang="en-US" sz="2000" b="0" dirty="0" smtClean="0">
+                        <a:rPr lang="en-US" sz="2000" b="1" dirty="0" smtClean="0">
                           <a:solidFill>
                             <a:schemeClr val="bg1"/>
                           </a:solidFill>
                         </a:rPr>
                         <a:t>Feature</a:t>
                       </a:r>
-                      <a:endParaRPr lang="en-US" sz="2000" b="0" dirty="0">
+                      <a:endParaRPr lang="en-US" sz="2000" b="1" dirty="0">
                         <a:solidFill>
                           <a:schemeClr val="bg1"/>
                         </a:solidFill>
@@ -15180,7 +14650,7 @@
                 </a:tc>
                 <a:extLst>
                   <a:ext uri="{0D108BD9-81ED-4DB2-BD59-A6C34878D82A}">
-                    <a16:rowId xmlns:a16="http://schemas.microsoft.com/office/drawing/2014/main" xmlns="" val="679667022"/>
+                    <a16:rowId xmlns="" xmlns:a16="http://schemas.microsoft.com/office/drawing/2014/main" val="679667022"/>
                   </a:ext>
                 </a:extLst>
               </a:tr>
@@ -15192,14 +14662,14 @@
                     <a:p>
                       <a:pPr algn="l"/>
                       <a:r>
-                        <a:rPr lang="en-US" sz="2000" dirty="0" smtClean="0"/>
+                        <a:rPr lang="en-US" sz="2000" b="1" dirty="0" smtClean="0"/>
                         <a:t>System</a:t>
                       </a:r>
                       <a:r>
-                        <a:rPr lang="en-US" sz="2000" baseline="0" dirty="0" smtClean="0"/>
+                        <a:rPr lang="en-US" sz="2000" b="1" baseline="0" dirty="0" smtClean="0"/>
                         <a:t> Components</a:t>
                       </a:r>
-                      <a:endParaRPr lang="en-US" sz="2000" dirty="0"/>
+                      <a:endParaRPr lang="en-US" sz="2000" b="1" dirty="0"/>
                     </a:p>
                   </a:txBody>
                   <a:tcPr>
@@ -15254,7 +14724,7 @@
                 </a:tc>
                 <a:extLst>
                   <a:ext uri="{0D108BD9-81ED-4DB2-BD59-A6C34878D82A}">
-                    <a16:rowId xmlns:a16="http://schemas.microsoft.com/office/drawing/2014/main" xmlns="" val="2034482246"/>
+                    <a16:rowId xmlns="" xmlns:a16="http://schemas.microsoft.com/office/drawing/2014/main" val="2034482246"/>
                   </a:ext>
                 </a:extLst>
               </a:tr>
@@ -15266,14 +14736,14 @@
                     <a:p>
                       <a:pPr algn="l"/>
                       <a:r>
-                        <a:rPr lang="en-US" sz="2000" dirty="0" smtClean="0"/>
+                        <a:rPr lang="en-US" sz="2000" b="1" dirty="0" smtClean="0"/>
                         <a:t>Grouping resources into</a:t>
                       </a:r>
                       <a:r>
-                        <a:rPr lang="en-US" sz="2000" baseline="0" dirty="0" smtClean="0"/>
+                        <a:rPr lang="en-US" sz="2000" b="1" baseline="0" dirty="0" smtClean="0"/>
                         <a:t> files</a:t>
                       </a:r>
-                      <a:endParaRPr lang="en-US" sz="2000" dirty="0"/>
+                      <a:endParaRPr lang="en-US" sz="2000" b="1" dirty="0"/>
                     </a:p>
                   </a:txBody>
                   <a:tcPr>
@@ -15328,7 +14798,7 @@
                 </a:tc>
                 <a:extLst>
                   <a:ext uri="{0D108BD9-81ED-4DB2-BD59-A6C34878D82A}">
-                    <a16:rowId xmlns:a16="http://schemas.microsoft.com/office/drawing/2014/main" xmlns="" val="682465758"/>
+                    <a16:rowId xmlns="" xmlns:a16="http://schemas.microsoft.com/office/drawing/2014/main" val="682465758"/>
                   </a:ext>
                 </a:extLst>
               </a:tr>
@@ -15340,10 +14810,10 @@
                     <a:p>
                       <a:pPr algn="l"/>
                       <a:r>
-                        <a:rPr lang="en-US" sz="2000" dirty="0" smtClean="0"/>
+                        <a:rPr lang="en-US" sz="2000" b="1" dirty="0" smtClean="0"/>
                         <a:t>Ordered list of operations</a:t>
                       </a:r>
-                      <a:endParaRPr lang="en-US" sz="2000" dirty="0"/>
+                      <a:endParaRPr lang="en-US" sz="2000" b="1" dirty="0"/>
                     </a:p>
                   </a:txBody>
                   <a:tcPr>
@@ -15402,7 +14872,7 @@
                 </a:tc>
                 <a:extLst>
                   <a:ext uri="{0D108BD9-81ED-4DB2-BD59-A6C34878D82A}">
-                    <a16:rowId xmlns:a16="http://schemas.microsoft.com/office/drawing/2014/main" xmlns="" val="4230228483"/>
+                    <a16:rowId xmlns="" xmlns:a16="http://schemas.microsoft.com/office/drawing/2014/main" val="4230228483"/>
                   </a:ext>
                 </a:extLst>
               </a:tr>
@@ -15414,10 +14884,10 @@
                     <a:p>
                       <a:pPr algn="l"/>
                       <a:r>
-                        <a:rPr lang="en-US" sz="2000" dirty="0" smtClean="0"/>
+                        <a:rPr lang="en-US" sz="2000" b="1" dirty="0" smtClean="0"/>
                         <a:t>System Policy</a:t>
                       </a:r>
-                      <a:endParaRPr lang="en-US" sz="2000" dirty="0"/>
+                      <a:endParaRPr lang="en-US" sz="2000" b="1" dirty="0"/>
                     </a:p>
                   </a:txBody>
                   <a:tcPr>
@@ -15484,7 +14954,7 @@
                 </a:tc>
                 <a:extLst>
                   <a:ext uri="{0D108BD9-81ED-4DB2-BD59-A6C34878D82A}">
-                    <a16:rowId xmlns:a16="http://schemas.microsoft.com/office/drawing/2014/main" xmlns="" val="3329658239"/>
+                    <a16:rowId xmlns="" xmlns:a16="http://schemas.microsoft.com/office/drawing/2014/main" val="3329658239"/>
                   </a:ext>
                 </a:extLst>
               </a:tr>
@@ -15573,10 +15043,10 @@
               <a:buNone/>
             </a:pPr>
             <a:r>
-              <a:rPr lang="en-US" dirty="0" smtClean="0"/>
+              <a:rPr lang="en-US" b="1" dirty="0" smtClean="0"/>
               <a:t>DSC</a:t>
             </a:r>
-            <a:endParaRPr lang="en-US" dirty="0"/>
+            <a:endParaRPr lang="en-US" b="1" dirty="0"/>
           </a:p>
           <a:p>
             <a:pPr>
@@ -15618,11 +15088,7 @@
             </a:pPr>
             <a:r>
               <a:rPr lang="en-US" dirty="0" smtClean="0"/>
-              <a:t>Apply the </a:t>
-            </a:r>
-            <a:r>
-              <a:rPr lang="en-US" dirty="0" smtClean="0"/>
-              <a:t>MOF</a:t>
+              <a:t>Apply the MOF</a:t>
             </a:r>
             <a:endParaRPr lang="en-US" dirty="0"/>
           </a:p>
@@ -16219,7 +15685,7 @@
               <a:buNone/>
             </a:pPr>
             <a:r>
-              <a:rPr lang="en-US" dirty="0" smtClean="0"/>
+              <a:rPr lang="en-US" b="1" dirty="0" smtClean="0"/>
               <a:t>Chef</a:t>
             </a:r>
           </a:p>
@@ -16265,13 +15731,8 @@
             </a:pPr>
             <a:r>
               <a:rPr lang="en-US" dirty="0" smtClean="0"/>
-              <a:t>Apply the Resource </a:t>
-            </a:r>
-            <a:r>
-              <a:rPr lang="en-US" dirty="0" smtClean="0"/>
-              <a:t>Collection</a:t>
-            </a:r>
-            <a:endParaRPr lang="en-US" dirty="0" smtClean="0"/>
+              <a:t>Apply the Resource Collection</a:t>
+            </a:r>
           </a:p>
         </p:txBody>
       </p:sp>
@@ -20551,15 +20012,7 @@
                     <a:schemeClr val="tx1"/>
                   </a:solidFill>
                 </a:rPr>
-                <a:t>Configuration </a:t>
-              </a:r>
-              <a:r>
-                <a:rPr lang="en-US" sz="2800" dirty="0" smtClean="0">
-                  <a:solidFill>
-                    <a:schemeClr val="tx1"/>
-                  </a:solidFill>
-                </a:rPr>
-                <a:t>Script</a:t>
+                <a:t>Configuration Script</a:t>
               </a:r>
             </a:p>
             <a:p>
@@ -20573,15 +20026,7 @@
                     <a:schemeClr val="tx1"/>
                   </a:solidFill>
                 </a:rPr>
-                <a:t>Calls </a:t>
-              </a:r>
-              <a:r>
-                <a:rPr lang="en-US" sz="2800" dirty="0" smtClean="0">
-                  <a:solidFill>
-                    <a:schemeClr val="tx1"/>
-                  </a:solidFill>
-                </a:rPr>
-                <a:t>a built-in or custom DSC provider</a:t>
+                <a:t>Calls a built-in or custom DSC provider</a:t>
               </a:r>
             </a:p>
             <a:p>
@@ -20595,15 +20040,7 @@
                     <a:schemeClr val="tx1"/>
                   </a:solidFill>
                 </a:rPr>
-                <a:t>Generates </a:t>
-              </a:r>
-              <a:r>
-                <a:rPr lang="en-US" sz="2800" dirty="0" smtClean="0">
-                  <a:solidFill>
-                    <a:schemeClr val="tx1"/>
-                  </a:solidFill>
-                </a:rPr>
-                <a:t>a MOF file the target node will apply</a:t>
+                <a:t>Generates a MOF file the target node will apply</a:t>
               </a:r>
             </a:p>
             <a:p>
@@ -20617,15 +20054,7 @@
                     <a:schemeClr val="tx1"/>
                   </a:solidFill>
                 </a:rPr>
-                <a:t>The </a:t>
-              </a:r>
-              <a:r>
-                <a:rPr lang="en-US" sz="2800" dirty="0" smtClean="0">
-                  <a:solidFill>
-                    <a:schemeClr val="tx1"/>
-                  </a:solidFill>
-                </a:rPr>
-                <a:t>MOF file</a:t>
+                <a:t>The MOF file</a:t>
               </a:r>
             </a:p>
             <a:p>
@@ -20639,15 +20068,7 @@
                     <a:schemeClr val="tx1"/>
                   </a:solidFill>
                 </a:rPr>
-                <a:t>Contains </a:t>
-              </a:r>
-              <a:r>
-                <a:rPr lang="en-US" sz="2800" dirty="0" smtClean="0">
-                  <a:solidFill>
-                    <a:schemeClr val="tx1"/>
-                  </a:solidFill>
-                </a:rPr>
-                <a:t>configuration instructions for a node</a:t>
+                <a:t>Contains configuration instructions for a node</a:t>
               </a:r>
             </a:p>
             <a:p>
@@ -20661,15 +20082,7 @@
                     <a:schemeClr val="tx1"/>
                   </a:solidFill>
                 </a:rPr>
-                <a:t>Can </a:t>
-              </a:r>
-              <a:r>
-                <a:rPr lang="en-US" sz="2800" dirty="0" smtClean="0">
-                  <a:solidFill>
-                    <a:schemeClr val="tx1"/>
-                  </a:solidFill>
-                </a:rPr>
-                <a:t>be generated by the node, or distributed to it by pull server</a:t>
+                <a:t>Can be generated by the node, or distributed to it by pull server</a:t>
               </a:r>
               <a:r>
                 <a:rPr lang="en-US" sz="2800" dirty="0">
@@ -21078,15 +20491,7 @@
                     <a:srgbClr val="000000"/>
                   </a:solidFill>
                 </a:rPr>
-                <a:t>LCM </a:t>
-              </a:r>
-              <a:r>
-                <a:rPr lang="en-US" sz="2800" dirty="0" smtClean="0">
-                  <a:solidFill>
-                    <a:srgbClr val="000000"/>
-                  </a:solidFill>
-                </a:rPr>
-                <a:t>is the DSC engine</a:t>
+                <a:t>LCM is the DSC engine</a:t>
               </a:r>
             </a:p>
             <a:p>
@@ -21100,15 +20505,7 @@
                     <a:srgbClr val="000000"/>
                   </a:solidFill>
                 </a:rPr>
-                <a:t>Built </a:t>
-              </a:r>
-              <a:r>
-                <a:rPr lang="en-US" sz="2800" dirty="0" smtClean="0">
-                  <a:solidFill>
-                    <a:srgbClr val="000000"/>
-                  </a:solidFill>
-                </a:rPr>
-                <a:t>using </a:t>
+                <a:t>Built using </a:t>
               </a:r>
               <a:r>
                 <a:rPr lang="en-US" sz="2800" dirty="0" err="1" smtClean="0">
@@ -21138,23 +20535,7 @@
                     <a:srgbClr val="000000"/>
                   </a:solidFill>
                 </a:rPr>
-                <a:t>Runs </a:t>
-              </a:r>
-              <a:r>
-                <a:rPr lang="en-US" sz="2800" dirty="0" smtClean="0">
-                  <a:solidFill>
-                    <a:srgbClr val="000000"/>
-                  </a:solidFill>
-                </a:rPr>
-                <a:t>on our target nodes and calls configuration </a:t>
-              </a:r>
-              <a:r>
-                <a:rPr lang="en-US" sz="2800" dirty="0" smtClean="0">
-                  <a:solidFill>
-                    <a:srgbClr val="000000"/>
-                  </a:solidFill>
-                </a:rPr>
-                <a:t>resources</a:t>
+                <a:t>Runs on our target nodes and calls configuration resources</a:t>
               </a:r>
               <a:r>
                 <a:rPr lang="en-US" sz="2800" dirty="0" smtClean="0"/>
@@ -21560,15 +20941,7 @@
                     <a:srgbClr val="000000"/>
                   </a:solidFill>
                 </a:rPr>
-                <a:t>Set </a:t>
-              </a:r>
-              <a:r>
-                <a:rPr lang="en-US" sz="2800" dirty="0" smtClean="0">
-                  <a:solidFill>
-                    <a:srgbClr val="000000"/>
-                  </a:solidFill>
-                </a:rPr>
-                <a:t>the </a:t>
+                <a:t>Set the </a:t>
               </a:r>
               <a:r>
                 <a:rPr lang="en-US" sz="2800" dirty="0" err="1" smtClean="0">
@@ -21611,23 +20984,7 @@
                     <a:srgbClr val="000000"/>
                   </a:solidFill>
                 </a:rPr>
-                <a:t>This </a:t>
-              </a:r>
-              <a:r>
-                <a:rPr lang="en-US" sz="2800" dirty="0" smtClean="0">
-                  <a:solidFill>
-                    <a:srgbClr val="000000"/>
-                  </a:solidFill>
-                </a:rPr>
-                <a:t>ensures that LCM’s DSC interpreter does not conflict with </a:t>
-              </a:r>
-              <a:r>
-                <a:rPr lang="en-US" sz="2800" dirty="0" smtClean="0">
-                  <a:solidFill>
-                    <a:srgbClr val="000000"/>
-                  </a:solidFill>
-                </a:rPr>
-                <a:t>Chef</a:t>
+                <a:t>This ensures that LCM’s DSC interpreter does not conflict with Chef</a:t>
               </a:r>
               <a:r>
                 <a:rPr lang="en-US" sz="2800" dirty="0" smtClean="0"/>
@@ -21718,11 +21075,7 @@
             </a:pPr>
             <a:r>
               <a:rPr lang="en-US" dirty="0" smtClean="0"/>
-              <a:t>Ensure that the LCM works with Chef, not against it</a:t>
-            </a:r>
-            <a:r>
-              <a:rPr lang="en-US" dirty="0" smtClean="0"/>
-              <a:t>!</a:t>
+              <a:t>Ensure that the LCM works with Chef, not against it!</a:t>
             </a:r>
             <a:endParaRPr lang="en-US" dirty="0"/>
           </a:p>
@@ -21733,11 +21086,7 @@
             </a:pPr>
             <a:r>
               <a:rPr lang="en-US" dirty="0" smtClean="0"/>
-              <a:t>Set the “Refresh Mode” property to </a:t>
-            </a:r>
-            <a:r>
-              <a:rPr lang="en-US" dirty="0" smtClean="0"/>
-              <a:t>disabled</a:t>
+              <a:t>Set the “Refresh Mode” property to disabled</a:t>
             </a:r>
             <a:endParaRPr lang="en-US" dirty="0"/>
           </a:p>
@@ -23093,17 +22442,8 @@
               </a:pPr>
               <a:r>
                 <a:rPr lang="en-US" sz="2800" dirty="0" smtClean="0"/>
-                <a:t>Explain </a:t>
+                <a:t>Explain what Desired State Configuration (DSC) does</a:t>
               </a:r>
-              <a:r>
-                <a:rPr lang="en-US" sz="2800" dirty="0" smtClean="0"/>
-                <a:t>what Desired State Configuration (DSC) </a:t>
-              </a:r>
-              <a:r>
-                <a:rPr lang="en-US" sz="2800" dirty="0" smtClean="0"/>
-                <a:t>does</a:t>
-              </a:r>
-              <a:endParaRPr lang="en-US" sz="2800" dirty="0" smtClean="0"/>
             </a:p>
             <a:p>
               <a:pPr marL="1428750" lvl="2" indent="-514350">
@@ -23112,15 +22452,7 @@
               </a:pPr>
               <a:r>
                 <a:rPr lang="en-US" sz="2800" dirty="0" smtClean="0"/>
-                <a:t>Understand </a:t>
-              </a:r>
-              <a:r>
-                <a:rPr lang="en-US" sz="2800" dirty="0" smtClean="0"/>
-                <a:t>the benefits of managing DSC with </a:t>
-              </a:r>
-              <a:r>
-                <a:rPr lang="en-US" sz="2800" dirty="0" smtClean="0"/>
-                <a:t>Chef</a:t>
+                <a:t>Understand the benefits of managing DSC with Chef</a:t>
               </a:r>
               <a:endParaRPr lang="en-US" sz="2800" dirty="0"/>
             </a:p>
@@ -23131,15 +22463,7 @@
               </a:pPr>
               <a:r>
                 <a:rPr lang="en-US" sz="2800" dirty="0" smtClean="0"/>
-                <a:t>Decide </a:t>
-              </a:r>
-              <a:r>
-                <a:rPr lang="en-US" sz="2800" dirty="0" smtClean="0"/>
-                <a:t>when to use Chef vs DSC </a:t>
-              </a:r>
-              <a:r>
-                <a:rPr lang="en-US" sz="2800" dirty="0" smtClean="0"/>
-                <a:t>resources</a:t>
+                <a:t>Decide when to use Chef vs DSC resources</a:t>
               </a:r>
               <a:endParaRPr lang="en-US" sz="2800" dirty="0"/>
             </a:p>
@@ -23150,11 +22474,7 @@
               </a:pPr>
               <a:r>
                 <a:rPr lang="en-US" sz="2800" dirty="0" smtClean="0"/>
-                <a:t>Utilize </a:t>
-              </a:r>
-              <a:r>
-                <a:rPr lang="en-US" sz="2800" dirty="0" smtClean="0"/>
-                <a:t>the </a:t>
+                <a:t>Utilize the </a:t>
               </a:r>
               <a:r>
                 <a:rPr lang="en-US" sz="2800" dirty="0" err="1" smtClean="0"/>
@@ -23170,13 +22490,8 @@
               </a:r>
               <a:r>
                 <a:rPr lang="en-US" sz="2800" dirty="0" smtClean="0"/>
-                <a:t> inside a </a:t>
+                <a:t> inside a recipe</a:t>
               </a:r>
-              <a:r>
-                <a:rPr lang="en-US" sz="2800" dirty="0" smtClean="0"/>
-                <a:t>recipe</a:t>
-              </a:r>
-              <a:endParaRPr lang="en-US" sz="2800" dirty="0" smtClean="0"/>
             </a:p>
           </p:txBody>
         </p:sp>
@@ -23256,7 +22571,7 @@
           <p:nvPr>
             <p:extLst>
               <p:ext uri="{D42A27DB-BD31-4B8C-83A1-F6EECF244321}">
-                <p14:modId xmlns:p14="http://schemas.microsoft.com/office/powerpoint/2010/main" val="1665667276"/>
+                <p14:modId xmlns:p14="http://schemas.microsoft.com/office/powerpoint/2010/main" val="3494191163"/>
               </p:ext>
             </p:extLst>
           </p:nvPr>
@@ -23275,14 +22590,14 @@
                 <a:gridCol w="3505200">
                   <a:extLst>
                     <a:ext uri="{9D8B030D-6E8A-4147-A177-3AD203B41FA5}">
-                      <a16:colId xmlns:a16="http://schemas.microsoft.com/office/drawing/2014/main" xmlns="" val="48614039"/>
+                      <a16:colId xmlns="" xmlns:a16="http://schemas.microsoft.com/office/drawing/2014/main" val="48614039"/>
                     </a:ext>
                   </a:extLst>
                 </a:gridCol>
                 <a:gridCol w="3505200">
                   <a:extLst>
                     <a:ext uri="{9D8B030D-6E8A-4147-A177-3AD203B41FA5}">
-                      <a16:colId xmlns:a16="http://schemas.microsoft.com/office/drawing/2014/main" xmlns="" val="1124546490"/>
+                      <a16:colId xmlns="" xmlns:a16="http://schemas.microsoft.com/office/drawing/2014/main" val="1124546490"/>
                     </a:ext>
                   </a:extLst>
                 </a:gridCol>
@@ -23295,7 +22610,7 @@
                     <a:p>
                       <a:pPr algn="ctr"/>
                       <a:r>
-                        <a:rPr lang="en-US" sz="1800" b="0" dirty="0" smtClean="0">
+                        <a:rPr lang="en-US" sz="1800" b="1" dirty="0" smtClean="0">
                           <a:solidFill>
                             <a:schemeClr val="bg1"/>
                           </a:solidFill>
@@ -23304,7 +22619,7 @@
                         </a:rPr>
                         <a:t>Attribute</a:t>
                       </a:r>
-                      <a:endParaRPr lang="en-US" sz="1800" b="0" dirty="0">
+                      <a:endParaRPr lang="en-US" sz="1800" b="1" dirty="0">
                         <a:solidFill>
                           <a:schemeClr val="bg1"/>
                         </a:solidFill>
@@ -23352,7 +22667,7 @@
                 </a:tc>
                 <a:extLst>
                   <a:ext uri="{0D108BD9-81ED-4DB2-BD59-A6C34878D82A}">
-                    <a16:rowId xmlns:a16="http://schemas.microsoft.com/office/drawing/2014/main" xmlns="" val="679667022"/>
+                    <a16:rowId xmlns="" xmlns:a16="http://schemas.microsoft.com/office/drawing/2014/main" val="679667022"/>
                   </a:ext>
                 </a:extLst>
               </a:tr>
@@ -23367,7 +22682,7 @@
                         <a:buNone/>
                       </a:pPr>
                       <a:r>
-                        <a:rPr lang="en-US" sz="1800" b="0" i="0" u="none" strike="noStrike" dirty="0" smtClean="0">
+                        <a:rPr lang="en-US" sz="1800" b="1" i="0" u="none" strike="noStrike" dirty="0" smtClean="0">
                           <a:solidFill>
                             <a:srgbClr val="000000"/>
                           </a:solidFill>
@@ -23377,7 +22692,7 @@
                         </a:rPr>
                         <a:t>architecture</a:t>
                       </a:r>
-                      <a:endParaRPr lang="en-US" sz="1800" b="0" i="0" u="none" strike="noStrike" dirty="0">
+                      <a:endParaRPr lang="en-US" sz="1800" b="1" i="0" u="none" strike="noStrike" dirty="0">
                         <a:solidFill>
                           <a:srgbClr val="000000"/>
                         </a:solidFill>
@@ -23424,7 +22739,7 @@
                 </a:tc>
                 <a:extLst>
                   <a:ext uri="{0D108BD9-81ED-4DB2-BD59-A6C34878D82A}">
-                    <a16:rowId xmlns:a16="http://schemas.microsoft.com/office/drawing/2014/main" xmlns="" val="2034482246"/>
+                    <a16:rowId xmlns="" xmlns:a16="http://schemas.microsoft.com/office/drawing/2014/main" val="2034482246"/>
                   </a:ext>
                 </a:extLst>
               </a:tr>
@@ -23439,7 +22754,7 @@
                         <a:buNone/>
                       </a:pPr>
                       <a:r>
-                        <a:rPr lang="en-US" sz="1800" b="0" i="0" u="none" strike="noStrike" dirty="0" smtClean="0">
+                        <a:rPr lang="en-US" sz="1800" b="1" i="0" u="none" strike="noStrike" dirty="0" smtClean="0">
                           <a:solidFill>
                             <a:srgbClr val="000000"/>
                           </a:solidFill>
@@ -23449,7 +22764,7 @@
                         </a:rPr>
                         <a:t>code</a:t>
                       </a:r>
-                      <a:endParaRPr lang="en-US" sz="1800" b="0" i="0" u="none" strike="noStrike" dirty="0">
+                      <a:endParaRPr lang="en-US" sz="1800" b="1" i="0" u="none" strike="noStrike" dirty="0">
                         <a:solidFill>
                           <a:srgbClr val="000000"/>
                         </a:solidFill>
@@ -23496,7 +22811,7 @@
                 </a:tc>
                 <a:extLst>
                   <a:ext uri="{0D108BD9-81ED-4DB2-BD59-A6C34878D82A}">
-                    <a16:rowId xmlns:a16="http://schemas.microsoft.com/office/drawing/2014/main" xmlns="" val="682465758"/>
+                    <a16:rowId xmlns="" xmlns:a16="http://schemas.microsoft.com/office/drawing/2014/main" val="682465758"/>
                   </a:ext>
                 </a:extLst>
               </a:tr>
@@ -23511,7 +22826,7 @@
                         <a:buNone/>
                       </a:pPr>
                       <a:r>
-                        <a:rPr lang="en-US" sz="1800" b="0" i="0" u="none" strike="noStrike" dirty="0" smtClean="0">
+                        <a:rPr lang="en-US" sz="1800" b="1" i="0" u="none" strike="noStrike" dirty="0" smtClean="0">
                           <a:solidFill>
                             <a:srgbClr val="000000"/>
                           </a:solidFill>
@@ -23521,7 +22836,7 @@
                         </a:rPr>
                         <a:t>command</a:t>
                       </a:r>
-                      <a:endParaRPr lang="en-US" sz="1800" b="0" i="0" u="none" strike="noStrike" dirty="0">
+                      <a:endParaRPr lang="en-US" sz="1800" b="1" i="0" u="none" strike="noStrike" dirty="0">
                         <a:solidFill>
                           <a:srgbClr val="000000"/>
                         </a:solidFill>
@@ -23568,7 +22883,7 @@
                 </a:tc>
                 <a:extLst>
                   <a:ext uri="{0D108BD9-81ED-4DB2-BD59-A6C34878D82A}">
-                    <a16:rowId xmlns:a16="http://schemas.microsoft.com/office/drawing/2014/main" xmlns="" val="4230228483"/>
+                    <a16:rowId xmlns="" xmlns:a16="http://schemas.microsoft.com/office/drawing/2014/main" val="4230228483"/>
                   </a:ext>
                 </a:extLst>
               </a:tr>
@@ -23583,7 +22898,7 @@
                         <a:buNone/>
                       </a:pPr>
                       <a:r>
-                        <a:rPr lang="en-US" sz="1800" b="0" i="0" u="none" strike="noStrike" dirty="0" err="1" smtClean="0">
+                        <a:rPr lang="en-US" sz="1800" b="1" i="0" u="none" strike="noStrike" dirty="0" err="1" smtClean="0">
                           <a:solidFill>
                             <a:srgbClr val="000000"/>
                           </a:solidFill>
@@ -23593,7 +22908,7 @@
                         </a:rPr>
                         <a:t>convert_boolean_return</a:t>
                       </a:r>
-                      <a:endParaRPr lang="en-US" sz="1800" b="0" i="0" u="none" strike="noStrike" dirty="0">
+                      <a:endParaRPr lang="en-US" sz="1800" b="1" i="0" u="none" strike="noStrike" dirty="0">
                         <a:solidFill>
                           <a:srgbClr val="000000"/>
                         </a:solidFill>
@@ -23670,7 +22985,7 @@
                 </a:tc>
                 <a:extLst>
                   <a:ext uri="{0D108BD9-81ED-4DB2-BD59-A6C34878D82A}">
-                    <a16:rowId xmlns:a16="http://schemas.microsoft.com/office/drawing/2014/main" xmlns="" val="3329658239"/>
+                    <a16:rowId xmlns="" xmlns:a16="http://schemas.microsoft.com/office/drawing/2014/main" val="3329658239"/>
                   </a:ext>
                 </a:extLst>
               </a:tr>
@@ -23685,7 +23000,7 @@
                         <a:buNone/>
                       </a:pPr>
                       <a:r>
-                        <a:rPr lang="en-US" sz="1800" b="0" i="0" u="none" strike="noStrike" dirty="0" smtClean="0">
+                        <a:rPr lang="en-US" sz="1800" b="1" i="0" u="none" strike="noStrike" dirty="0" smtClean="0">
                           <a:solidFill>
                             <a:srgbClr val="000000"/>
                           </a:solidFill>
@@ -23695,7 +23010,7 @@
                         </a:rPr>
                         <a:t>creates</a:t>
                       </a:r>
-                      <a:endParaRPr lang="en-US" sz="1800" b="0" i="0" u="none" strike="noStrike" dirty="0">
+                      <a:endParaRPr lang="en-US" sz="1800" b="1" i="0" u="none" strike="noStrike" dirty="0">
                         <a:solidFill>
                           <a:srgbClr val="000000"/>
                         </a:solidFill>
@@ -23752,7 +23067,7 @@
                         <a:buNone/>
                       </a:pPr>
                       <a:r>
-                        <a:rPr lang="pl-PL" sz="1800" b="0" i="0" u="none" strike="noStrike" dirty="0" err="1" smtClean="0">
+                        <a:rPr lang="pl-PL" sz="1800" b="1" i="0" u="none" strike="noStrike" dirty="0" err="1" smtClean="0">
                           <a:solidFill>
                             <a:srgbClr val="000000"/>
                           </a:solidFill>
@@ -23762,7 +23077,7 @@
                         </a:rPr>
                         <a:t>cwd</a:t>
                       </a:r>
-                      <a:endParaRPr lang="pl-PL" sz="1800" b="0" i="0" u="none" strike="noStrike" dirty="0">
+                      <a:endParaRPr lang="pl-PL" sz="1800" b="1" i="0" u="none" strike="noStrike" dirty="0">
                         <a:solidFill>
                           <a:srgbClr val="000000"/>
                         </a:solidFill>
@@ -23819,7 +23134,7 @@
                         <a:buNone/>
                       </a:pPr>
                       <a:r>
-                        <a:rPr lang="en-US" sz="1800" b="0" i="0" u="none" strike="noStrike" dirty="0" smtClean="0">
+                        <a:rPr lang="en-US" sz="1800" b="1" i="0" u="none" strike="noStrike" dirty="0" smtClean="0">
                           <a:solidFill>
                             <a:srgbClr val="000000"/>
                           </a:solidFill>
@@ -23829,7 +23144,7 @@
                         </a:rPr>
                         <a:t>environment</a:t>
                       </a:r>
-                      <a:endParaRPr lang="en-US" sz="1800" b="0" i="0" u="none" strike="noStrike" dirty="0">
+                      <a:endParaRPr lang="en-US" sz="1800" b="1" i="0" u="none" strike="noStrike" dirty="0">
                         <a:solidFill>
                           <a:srgbClr val="000000"/>
                         </a:solidFill>
@@ -23886,7 +23201,7 @@
                         <a:buNone/>
                       </a:pPr>
                       <a:r>
-                        <a:rPr lang="en-US" sz="1800" b="0" i="0" u="none" strike="noStrike" dirty="0" smtClean="0">
+                        <a:rPr lang="en-US" sz="1800" b="1" i="0" u="none" strike="noStrike" dirty="0" smtClean="0">
                           <a:solidFill>
                             <a:srgbClr val="000000"/>
                           </a:solidFill>
@@ -23896,7 +23211,7 @@
                         </a:rPr>
                         <a:t>flags</a:t>
                       </a:r>
-                      <a:endParaRPr lang="en-US" sz="1800" b="0" i="0" u="none" strike="noStrike" dirty="0">
+                      <a:endParaRPr lang="en-US" sz="1800" b="1" i="0" u="none" strike="noStrike" dirty="0">
                         <a:solidFill>
                           <a:srgbClr val="000000"/>
                         </a:solidFill>
@@ -23953,7 +23268,7 @@
                         <a:buNone/>
                       </a:pPr>
                       <a:r>
-                        <a:rPr lang="en-US" sz="1800" b="0" i="0" u="none" strike="noStrike" dirty="0" smtClean="0">
+                        <a:rPr lang="en-US" sz="1800" b="1" i="0" u="none" strike="noStrike" dirty="0" smtClean="0">
                           <a:solidFill>
                             <a:srgbClr val="000000"/>
                           </a:solidFill>
@@ -23963,7 +23278,7 @@
                         </a:rPr>
                         <a:t>group</a:t>
                       </a:r>
-                      <a:endParaRPr lang="en-US" sz="1800" b="0" i="0" u="none" strike="noStrike" dirty="0">
+                      <a:endParaRPr lang="en-US" sz="1800" b="1" i="0" u="none" strike="noStrike" dirty="0">
                         <a:solidFill>
                           <a:srgbClr val="000000"/>
                         </a:solidFill>
@@ -24020,7 +23335,7 @@
                         <a:buNone/>
                       </a:pPr>
                       <a:r>
-                        <a:rPr lang="en-US" sz="1800" b="0" i="0" u="none" strike="noStrike" dirty="0" err="1" smtClean="0">
+                        <a:rPr lang="en-US" sz="1800" b="1" i="0" u="none" strike="noStrike" dirty="0" err="1" smtClean="0">
                           <a:solidFill>
                             <a:srgbClr val="000000"/>
                           </a:solidFill>
@@ -24030,7 +23345,7 @@
                         </a:rPr>
                         <a:t>guard_interpreter</a:t>
                       </a:r>
-                      <a:endParaRPr lang="en-US" sz="1800" b="0" i="0" u="none" strike="noStrike" dirty="0">
+                      <a:endParaRPr lang="en-US" sz="1800" b="1" i="0" u="none" strike="noStrike" dirty="0">
                         <a:solidFill>
                           <a:srgbClr val="000000"/>
                         </a:solidFill>
@@ -24087,7 +23402,7 @@
                         <a:buNone/>
                       </a:pPr>
                       <a:r>
-                        <a:rPr lang="en-US" sz="1800" b="0" i="0" u="none" strike="noStrike" dirty="0" smtClean="0">
+                        <a:rPr lang="en-US" sz="1800" b="1" i="0" u="none" strike="noStrike" dirty="0" smtClean="0">
                           <a:solidFill>
                             <a:srgbClr val="000000"/>
                           </a:solidFill>
@@ -24097,7 +23412,7 @@
                         </a:rPr>
                         <a:t>interpreter</a:t>
                       </a:r>
-                      <a:endParaRPr lang="en-US" sz="1800" b="0" i="0" u="none" strike="noStrike" dirty="0">
+                      <a:endParaRPr lang="en-US" sz="1800" b="1" i="0" u="none" strike="noStrike" dirty="0">
                         <a:solidFill>
                           <a:srgbClr val="000000"/>
                         </a:solidFill>
@@ -24154,7 +23469,7 @@
                         <a:buNone/>
                       </a:pPr>
                       <a:r>
-                        <a:rPr lang="en-US" sz="1800" b="0" i="0" u="none" strike="noStrike" dirty="0" smtClean="0">
+                        <a:rPr lang="en-US" sz="1800" b="1" i="0" u="none" strike="noStrike" dirty="0" smtClean="0">
                           <a:solidFill>
                             <a:srgbClr val="000000"/>
                           </a:solidFill>
@@ -24164,7 +23479,7 @@
                         </a:rPr>
                         <a:t>notifies</a:t>
                       </a:r>
-                      <a:endParaRPr lang="en-US" sz="1800" b="0" i="0" u="none" strike="noStrike" dirty="0">
+                      <a:endParaRPr lang="en-US" sz="1800" b="1" i="0" u="none" strike="noStrike" dirty="0">
                         <a:solidFill>
                           <a:srgbClr val="000000"/>
                         </a:solidFill>
@@ -24221,7 +23536,7 @@
                         <a:buNone/>
                       </a:pPr>
                       <a:r>
-                        <a:rPr lang="en-US" sz="1800" b="0" i="0" u="none" strike="noStrike" dirty="0" smtClean="0">
+                        <a:rPr lang="en-US" sz="1800" b="1" i="0" u="none" strike="noStrike" dirty="0" smtClean="0">
                           <a:solidFill>
                             <a:srgbClr val="000000"/>
                           </a:solidFill>
@@ -24231,7 +23546,7 @@
                         </a:rPr>
                         <a:t>provider </a:t>
                       </a:r>
-                      <a:endParaRPr lang="en-US" sz="1800" b="0" i="0" u="none" strike="noStrike" dirty="0">
+                      <a:endParaRPr lang="en-US" sz="1800" b="1" i="0" u="none" strike="noStrike" dirty="0">
                         <a:solidFill>
                           <a:srgbClr val="000000"/>
                         </a:solidFill>
@@ -24307,7 +23622,7 @@
                         <a:buNone/>
                       </a:pPr>
                       <a:r>
-                        <a:rPr lang="en-US" sz="1800" b="0" i="0" u="none" strike="noStrike" dirty="0" smtClean="0">
+                        <a:rPr lang="en-US" sz="1800" b="1" i="0" u="none" strike="noStrike" dirty="0" smtClean="0">
                           <a:solidFill>
                             <a:srgbClr val="000000"/>
                           </a:solidFill>
@@ -24317,7 +23632,7 @@
                         </a:rPr>
                         <a:t>returns</a:t>
                       </a:r>
-                      <a:endParaRPr lang="en-US" sz="1800" b="0" i="0" u="none" strike="noStrike" dirty="0">
+                      <a:endParaRPr lang="en-US" sz="1800" b="1" i="0" u="none" strike="noStrike" dirty="0">
                         <a:solidFill>
                           <a:srgbClr val="000000"/>
                         </a:solidFill>
@@ -24374,7 +23689,7 @@
                         <a:buNone/>
                       </a:pPr>
                       <a:r>
-                        <a:rPr lang="en-US" sz="1800" b="0" i="0" u="none" strike="noStrike" dirty="0" smtClean="0">
+                        <a:rPr lang="en-US" sz="1800" b="1" i="0" u="none" strike="noStrike" dirty="0" smtClean="0">
                           <a:solidFill>
                             <a:srgbClr val="000000"/>
                           </a:solidFill>
@@ -24384,7 +23699,7 @@
                         </a:rPr>
                         <a:t>subscribes</a:t>
                       </a:r>
-                      <a:endParaRPr lang="en-US" sz="1800" b="0" i="0" u="none" strike="noStrike" dirty="0">
+                      <a:endParaRPr lang="en-US" sz="1800" b="1" i="0" u="none" strike="noStrike" dirty="0">
                         <a:solidFill>
                           <a:srgbClr val="000000"/>
                         </a:solidFill>
@@ -24441,7 +23756,7 @@
                         <a:buNone/>
                       </a:pPr>
                       <a:r>
-                        <a:rPr lang="en-US" sz="1800" b="0" i="0" u="none" strike="noStrike" dirty="0" smtClean="0">
+                        <a:rPr lang="en-US" sz="1800" b="1" i="0" u="none" strike="noStrike" dirty="0" smtClean="0">
                           <a:solidFill>
                             <a:srgbClr val="000000"/>
                           </a:solidFill>
@@ -24451,7 +23766,7 @@
                         </a:rPr>
                         <a:t>timeout</a:t>
                       </a:r>
-                      <a:endParaRPr lang="en-US" sz="1800" b="0" i="0" u="none" strike="noStrike" dirty="0">
+                      <a:endParaRPr lang="en-US" sz="1800" b="1" i="0" u="none" strike="noStrike" dirty="0">
                         <a:solidFill>
                           <a:srgbClr val="000000"/>
                         </a:solidFill>
@@ -25568,15 +24883,7 @@
                     <a:srgbClr val="000000"/>
                   </a:solidFill>
                 </a:rPr>
-                <a:t>Used </a:t>
-              </a:r>
-              <a:r>
-                <a:rPr lang="en-US" sz="2800" dirty="0" smtClean="0">
-                  <a:solidFill>
-                    <a:srgbClr val="000000"/>
-                  </a:solidFill>
-                </a:rPr>
-                <a:t>to embed snippets of DSC commands within Chef recipes</a:t>
+                <a:t>Used to embed snippets of DSC commands within Chef recipes</a:t>
               </a:r>
             </a:p>
             <a:p>
@@ -25590,15 +24897,7 @@
                     <a:srgbClr val="000000"/>
                   </a:solidFill>
                 </a:rPr>
-                <a:t>Generates </a:t>
-              </a:r>
-              <a:r>
-                <a:rPr lang="en-US" sz="2800" dirty="0" smtClean="0">
-                  <a:solidFill>
-                    <a:srgbClr val="000000"/>
-                  </a:solidFill>
-                </a:rPr>
-                <a:t>a configuration document on the node that is sent to LCM</a:t>
+                <a:t>Generates a configuration document on the node that is sent to LCM</a:t>
               </a:r>
             </a:p>
             <a:p>
@@ -25612,15 +24911,7 @@
                     <a:srgbClr val="000000"/>
                   </a:solidFill>
                 </a:rPr>
-                <a:t>Keeps </a:t>
-              </a:r>
-              <a:r>
-                <a:rPr lang="en-US" sz="2800" dirty="0" smtClean="0">
-                  <a:solidFill>
-                    <a:srgbClr val="000000"/>
-                  </a:solidFill>
-                </a:rPr>
-                <a:t>the last </a:t>
+                <a:t>Keeps the last </a:t>
               </a:r>
               <a:r>
                 <a:rPr lang="en-US" sz="2800" dirty="0" err="1" smtClean="0">
@@ -25663,23 +24954,7 @@
                     <a:srgbClr val="000000"/>
                   </a:solidFill>
                 </a:rPr>
-                <a:t>Supports </a:t>
-              </a:r>
-              <a:r>
-                <a:rPr lang="en-US" sz="2800" dirty="0" smtClean="0">
-                  <a:solidFill>
-                    <a:srgbClr val="000000"/>
-                  </a:solidFill>
-                </a:rPr>
-                <a:t>Windows Management Framework 4 and </a:t>
-              </a:r>
-              <a:r>
-                <a:rPr lang="en-US" sz="2800" dirty="0" smtClean="0">
-                  <a:solidFill>
-                    <a:srgbClr val="000000"/>
-                  </a:solidFill>
-                </a:rPr>
-                <a:t>above</a:t>
+                <a:t>Supports Windows Management Framework 4 and above</a:t>
               </a:r>
               <a:r>
                 <a:rPr lang="en-US" sz="2800" dirty="0" smtClean="0"/>
@@ -26524,14 +25799,14 @@
                 <a:gridCol w="3505200">
                   <a:extLst>
                     <a:ext uri="{9D8B030D-6E8A-4147-A177-3AD203B41FA5}">
-                      <a16:colId xmlns:a16="http://schemas.microsoft.com/office/drawing/2014/main" xmlns="" val="48614039"/>
+                      <a16:colId xmlns="" xmlns:a16="http://schemas.microsoft.com/office/drawing/2014/main" val="48614039"/>
                     </a:ext>
                   </a:extLst>
                 </a:gridCol>
                 <a:gridCol w="3505200">
                   <a:extLst>
                     <a:ext uri="{9D8B030D-6E8A-4147-A177-3AD203B41FA5}">
-                      <a16:colId xmlns:a16="http://schemas.microsoft.com/office/drawing/2014/main" xmlns="" val="1124546490"/>
+                      <a16:colId xmlns="" xmlns:a16="http://schemas.microsoft.com/office/drawing/2014/main" val="1124546490"/>
                     </a:ext>
                   </a:extLst>
                 </a:gridCol>
@@ -26601,7 +25876,7 @@
                 </a:tc>
                 <a:extLst>
                   <a:ext uri="{0D108BD9-81ED-4DB2-BD59-A6C34878D82A}">
-                    <a16:rowId xmlns:a16="http://schemas.microsoft.com/office/drawing/2014/main" xmlns="" val="679667022"/>
+                    <a16:rowId xmlns="" xmlns:a16="http://schemas.microsoft.com/office/drawing/2014/main" val="679667022"/>
                   </a:ext>
                 </a:extLst>
               </a:tr>
@@ -26660,7 +25935,7 @@
                 </a:tc>
                 <a:extLst>
                   <a:ext uri="{0D108BD9-81ED-4DB2-BD59-A6C34878D82A}">
-                    <a16:rowId xmlns:a16="http://schemas.microsoft.com/office/drawing/2014/main" xmlns="" val="2034482246"/>
+                    <a16:rowId xmlns="" xmlns:a16="http://schemas.microsoft.com/office/drawing/2014/main" val="2034482246"/>
                   </a:ext>
                 </a:extLst>
               </a:tr>
@@ -26719,7 +25994,7 @@
                 </a:tc>
                 <a:extLst>
                   <a:ext uri="{0D108BD9-81ED-4DB2-BD59-A6C34878D82A}">
-                    <a16:rowId xmlns:a16="http://schemas.microsoft.com/office/drawing/2014/main" xmlns="" val="682465758"/>
+                    <a16:rowId xmlns="" xmlns:a16="http://schemas.microsoft.com/office/drawing/2014/main" val="682465758"/>
                   </a:ext>
                 </a:extLst>
               </a:tr>
@@ -26778,7 +26053,7 @@
                 </a:tc>
                 <a:extLst>
                   <a:ext uri="{0D108BD9-81ED-4DB2-BD59-A6C34878D82A}">
-                    <a16:rowId xmlns:a16="http://schemas.microsoft.com/office/drawing/2014/main" xmlns="" val="4230228483"/>
+                    <a16:rowId xmlns="" xmlns:a16="http://schemas.microsoft.com/office/drawing/2014/main" val="4230228483"/>
                   </a:ext>
                 </a:extLst>
               </a:tr>
@@ -26837,7 +26112,7 @@
                 </a:tc>
                 <a:extLst>
                   <a:ext uri="{0D108BD9-81ED-4DB2-BD59-A6C34878D82A}">
-                    <a16:rowId xmlns:a16="http://schemas.microsoft.com/office/drawing/2014/main" xmlns="" val="3329658239"/>
+                    <a16:rowId xmlns="" xmlns:a16="http://schemas.microsoft.com/office/drawing/2014/main" val="3329658239"/>
                   </a:ext>
                 </a:extLst>
               </a:tr>
@@ -27757,15 +27032,7 @@
                     <a:srgbClr val="000000"/>
                   </a:solidFill>
                 </a:rPr>
-                <a:t>Used </a:t>
-              </a:r>
-              <a:r>
-                <a:rPr lang="en-US" sz="2800" dirty="0" smtClean="0">
-                  <a:solidFill>
-                    <a:srgbClr val="000000"/>
-                  </a:solidFill>
-                </a:rPr>
-                <a:t>to configure </a:t>
+                <a:t>Used to configure </a:t>
               </a:r>
               <a:r>
                 <a:rPr lang="en-US" sz="2800" dirty="0" err="1" smtClean="0">
@@ -27781,15 +27048,7 @@
                     <a:srgbClr val="000000"/>
                   </a:solidFill>
                 </a:rPr>
-                <a:t>-based resources through </a:t>
-              </a:r>
-              <a:r>
-                <a:rPr lang="en-US" sz="2800" dirty="0" smtClean="0">
-                  <a:solidFill>
-                    <a:srgbClr val="000000"/>
-                  </a:solidFill>
-                </a:rPr>
-                <a:t>Chef</a:t>
+                <a:t>-based resources through Chef</a:t>
               </a:r>
             </a:p>
             <a:p>
@@ -27817,15 +27076,7 @@
                     <a:srgbClr val="000000"/>
                   </a:solidFill>
                 </a:rPr>
-                <a:t>Can </a:t>
-              </a:r>
-              <a:r>
-                <a:rPr lang="en-US" sz="2800" dirty="0" smtClean="0">
-                  <a:solidFill>
-                    <a:srgbClr val="000000"/>
-                  </a:solidFill>
-                </a:rPr>
-                <a:t>use notifications</a:t>
+                <a:t>Can use notifications</a:t>
               </a:r>
             </a:p>
             <a:p>
@@ -27839,31 +27090,7 @@
                     <a:srgbClr val="000000"/>
                   </a:solidFill>
                 </a:rPr>
-                <a:t>Supports </a:t>
-              </a:r>
-              <a:r>
-                <a:rPr lang="en-US" sz="2800" dirty="0" smtClean="0">
-                  <a:solidFill>
-                    <a:srgbClr val="000000"/>
-                  </a:solidFill>
-                </a:rPr>
-                <a:t>Windows Management Framework 5 and </a:t>
-              </a:r>
-              <a:r>
-                <a:rPr lang="en-US" sz="2800" dirty="0" smtClean="0">
-                  <a:solidFill>
-                    <a:srgbClr val="000000"/>
-                  </a:solidFill>
-                </a:rPr>
-                <a:t>above</a:t>
-              </a:r>
-              <a:r>
-                <a:rPr lang="en-US" sz="2800" dirty="0" smtClean="0">
-                  <a:solidFill>
-                    <a:srgbClr val="000000"/>
-                  </a:solidFill>
-                </a:rPr>
-                <a:t>	</a:t>
+                <a:t>Supports Windows Management Framework 5 and above	</a:t>
               </a:r>
               <a:endParaRPr lang="en-US" sz="2800" dirty="0">
                 <a:solidFill>
@@ -28387,7 +27614,7 @@
           <p:nvPr>
             <p:extLst>
               <p:ext uri="{D42A27DB-BD31-4B8C-83A1-F6EECF244321}">
-                <p14:modId xmlns:p14="http://schemas.microsoft.com/office/powerpoint/2010/main" val="595773042"/>
+                <p14:modId xmlns:p14="http://schemas.microsoft.com/office/powerpoint/2010/main" val="4025651621"/>
               </p:ext>
             </p:extLst>
           </p:nvPr>
@@ -28406,14 +27633,14 @@
                 <a:gridCol w="3505200">
                   <a:extLst>
                     <a:ext uri="{9D8B030D-6E8A-4147-A177-3AD203B41FA5}">
-                      <a16:colId xmlns:a16="http://schemas.microsoft.com/office/drawing/2014/main" xmlns="" val="48614039"/>
+                      <a16:colId xmlns="" xmlns:a16="http://schemas.microsoft.com/office/drawing/2014/main" val="48614039"/>
                     </a:ext>
                   </a:extLst>
                 </a:gridCol>
                 <a:gridCol w="3505200">
                   <a:extLst>
                     <a:ext uri="{9D8B030D-6E8A-4147-A177-3AD203B41FA5}">
-                      <a16:colId xmlns:a16="http://schemas.microsoft.com/office/drawing/2014/main" xmlns="" val="1124546490"/>
+                      <a16:colId xmlns="" xmlns:a16="http://schemas.microsoft.com/office/drawing/2014/main" val="1124546490"/>
                     </a:ext>
                   </a:extLst>
                 </a:gridCol>
@@ -28426,7 +27653,7 @@
                     <a:p>
                       <a:pPr algn="ctr"/>
                       <a:r>
-                        <a:rPr lang="en-US" sz="2000" b="0" dirty="0" smtClean="0">
+                        <a:rPr lang="en-US" sz="2000" b="1" dirty="0" smtClean="0">
                           <a:solidFill>
                             <a:schemeClr val="bg1"/>
                           </a:solidFill>
@@ -28435,7 +27662,7 @@
                         </a:rPr>
                         <a:t>Attribute</a:t>
                       </a:r>
-                      <a:endParaRPr lang="en-US" sz="2000" b="0" dirty="0">
+                      <a:endParaRPr lang="en-US" sz="2000" b="1" dirty="0">
                         <a:solidFill>
                           <a:schemeClr val="bg1"/>
                         </a:solidFill>
@@ -28483,7 +27710,7 @@
                 </a:tc>
                 <a:extLst>
                   <a:ext uri="{0D108BD9-81ED-4DB2-BD59-A6C34878D82A}">
-                    <a16:rowId xmlns:a16="http://schemas.microsoft.com/office/drawing/2014/main" xmlns="" val="679667022"/>
+                    <a16:rowId xmlns="" xmlns:a16="http://schemas.microsoft.com/office/drawing/2014/main" val="679667022"/>
                   </a:ext>
                 </a:extLst>
               </a:tr>
@@ -28494,13 +27721,13 @@
                     <a:lstStyle/>
                     <a:p>
                       <a:r>
-                        <a:rPr lang="en-US" sz="2000" dirty="0" err="1" smtClean="0">
+                        <a:rPr lang="en-US" sz="2000" b="1" dirty="0" err="1" smtClean="0">
                           <a:latin typeface="Segoe UI"/>
                           <a:cs typeface="Segoe UI"/>
                         </a:rPr>
                         <a:t>module_name</a:t>
                       </a:r>
-                      <a:endParaRPr lang="en-US" sz="2000" b="0" i="0" u="none" strike="noStrike" dirty="0">
+                      <a:endParaRPr lang="en-US" sz="2000" b="1" i="0" u="none" strike="noStrike" dirty="0">
                         <a:solidFill>
                           <a:srgbClr val="000000"/>
                         </a:solidFill>
@@ -28553,7 +27780,7 @@
                 </a:tc>
                 <a:extLst>
                   <a:ext uri="{0D108BD9-81ED-4DB2-BD59-A6C34878D82A}">
-                    <a16:rowId xmlns:a16="http://schemas.microsoft.com/office/drawing/2014/main" xmlns="" val="2034482246"/>
+                    <a16:rowId xmlns="" xmlns:a16="http://schemas.microsoft.com/office/drawing/2014/main" val="2034482246"/>
                   </a:ext>
                 </a:extLst>
               </a:tr>
@@ -28565,7 +27792,7 @@
                     <a:p>
                       <a:pPr algn="l" rtl="0" fontAlgn="b"/>
                       <a:r>
-                        <a:rPr lang="en-US" sz="2000" b="0" i="0" u="none" strike="noStrike" dirty="0" smtClean="0">
+                        <a:rPr lang="en-US" sz="2000" b="1" i="0" u="none" strike="noStrike" dirty="0" smtClean="0">
                           <a:solidFill>
                             <a:srgbClr val="000000"/>
                           </a:solidFill>
@@ -28575,7 +27802,7 @@
                         </a:rPr>
                         <a:t>notifies</a:t>
                       </a:r>
-                      <a:endParaRPr lang="en-US" sz="2000" b="0" i="0" u="none" strike="noStrike" dirty="0">
+                      <a:endParaRPr lang="en-US" sz="2000" b="1" i="0" u="none" strike="noStrike" dirty="0">
                         <a:solidFill>
                           <a:srgbClr val="000000"/>
                         </a:solidFill>
@@ -28628,7 +27855,7 @@
                 </a:tc>
                 <a:extLst>
                   <a:ext uri="{0D108BD9-81ED-4DB2-BD59-A6C34878D82A}">
-                    <a16:rowId xmlns:a16="http://schemas.microsoft.com/office/drawing/2014/main" xmlns="" val="682465758"/>
+                    <a16:rowId xmlns="" xmlns:a16="http://schemas.microsoft.com/office/drawing/2014/main" val="682465758"/>
                   </a:ext>
                 </a:extLst>
               </a:tr>
@@ -28640,7 +27867,7 @@
                     <a:p>
                       <a:pPr algn="l" rtl="0" fontAlgn="b"/>
                       <a:r>
-                        <a:rPr lang="en-US" sz="2000" b="0" i="0" u="none" strike="noStrike" dirty="0" smtClean="0">
+                        <a:rPr lang="en-US" sz="2000" b="1" i="0" u="none" strike="noStrike" dirty="0" smtClean="0">
                           <a:solidFill>
                             <a:srgbClr val="000000"/>
                           </a:solidFill>
@@ -28649,7 +27876,7 @@
                         </a:rPr>
                         <a:t>property</a:t>
                       </a:r>
-                      <a:endParaRPr lang="en-US" sz="2000" b="0" i="0" u="none" strike="noStrike" dirty="0">
+                      <a:endParaRPr lang="en-US" sz="2000" b="1" i="0" u="none" strike="noStrike" dirty="0">
                         <a:solidFill>
                           <a:srgbClr val="000000"/>
                         </a:solidFill>
@@ -28701,7 +27928,7 @@
                 </a:tc>
                 <a:extLst>
                   <a:ext uri="{0D108BD9-81ED-4DB2-BD59-A6C34878D82A}">
-                    <a16:rowId xmlns:a16="http://schemas.microsoft.com/office/drawing/2014/main" xmlns="" val="4230228483"/>
+                    <a16:rowId xmlns="" xmlns:a16="http://schemas.microsoft.com/office/drawing/2014/main" val="4230228483"/>
                   </a:ext>
                 </a:extLst>
               </a:tr>
@@ -28713,7 +27940,7 @@
                     <a:p>
                       <a:pPr algn="l" rtl="0" fontAlgn="b"/>
                       <a:r>
-                        <a:rPr lang="en-US" sz="2000" b="0" i="0" u="none" strike="noStrike" dirty="0" smtClean="0">
+                        <a:rPr lang="en-US" sz="2000" b="1" i="0" u="none" strike="noStrike" dirty="0" smtClean="0">
                           <a:solidFill>
                             <a:srgbClr val="000000"/>
                           </a:solidFill>
@@ -28722,7 +27949,7 @@
                         </a:rPr>
                         <a:t>resource</a:t>
                       </a:r>
-                      <a:endParaRPr lang="en-US" sz="2000" b="0" i="0" u="none" strike="noStrike" dirty="0">
+                      <a:endParaRPr lang="en-US" sz="2000" b="1" i="0" u="none" strike="noStrike" dirty="0">
                         <a:solidFill>
                           <a:srgbClr val="000000"/>
                         </a:solidFill>
@@ -28774,7 +28001,7 @@
                 </a:tc>
                 <a:extLst>
                   <a:ext uri="{0D108BD9-81ED-4DB2-BD59-A6C34878D82A}">
-                    <a16:rowId xmlns:a16="http://schemas.microsoft.com/office/drawing/2014/main" xmlns="" val="3329658239"/>
+                    <a16:rowId xmlns="" xmlns:a16="http://schemas.microsoft.com/office/drawing/2014/main" val="3329658239"/>
                   </a:ext>
                 </a:extLst>
               </a:tr>
@@ -28786,7 +28013,7 @@
                     <a:p>
                       <a:pPr algn="l" rtl="0" fontAlgn="b"/>
                       <a:r>
-                        <a:rPr lang="en-US" sz="2000" b="0" i="0" u="none" strike="noStrike" dirty="0" smtClean="0">
+                        <a:rPr lang="en-US" sz="2000" b="1" i="0" u="none" strike="noStrike" dirty="0" smtClean="0">
                           <a:solidFill>
                             <a:srgbClr val="000000"/>
                           </a:solidFill>
@@ -28795,7 +28022,7 @@
                         </a:rPr>
                         <a:t>subscribes</a:t>
                       </a:r>
-                      <a:endParaRPr lang="en-US" sz="2000" b="0" i="0" u="none" strike="noStrike" dirty="0">
+                      <a:endParaRPr lang="en-US" sz="2000" b="1" i="0" u="none" strike="noStrike" dirty="0">
                         <a:solidFill>
                           <a:srgbClr val="000000"/>
                         </a:solidFill>
@@ -29259,15 +28486,7 @@
                     <a:srgbClr val="000000"/>
                   </a:solidFill>
                 </a:rPr>
-                <a:t>A </a:t>
-              </a:r>
-              <a:r>
-                <a:rPr lang="en-US" sz="2800" dirty="0" smtClean="0">
-                  <a:solidFill>
-                    <a:srgbClr val="000000"/>
-                  </a:solidFill>
-                </a:rPr>
-                <a:t>management platform in Windows </a:t>
+                <a:t>A management platform in Windows </a:t>
               </a:r>
               <a:r>
                 <a:rPr lang="en-US" sz="2800" dirty="0" err="1" smtClean="0">
@@ -29294,25 +28513,23 @@
                     <a:srgbClr val="000000"/>
                   </a:solidFill>
                 </a:rPr>
-                <a:t>A </a:t>
+                <a:t>A feature of Windows Management Framework (WMF)</a:t>
               </a:r>
+            </a:p>
+            <a:p>
+              <a:pPr marL="1371600" lvl="2" indent="-457200">
+                <a:buFont typeface="Wingdings" charset="2"/>
+                <a:buChar char="§"/>
+              </a:pPr>
               <a:r>
                 <a:rPr lang="en-US" sz="2800" dirty="0" smtClean="0">
                   <a:solidFill>
                     <a:srgbClr val="000000"/>
                   </a:solidFill>
                 </a:rPr>
-                <a:t>feature of Windows Management Framework (WMF</a:t>
+                <a:t>Provides a basic set of windows-specific configuration resources</a:t>
               </a:r>
-              <a:r>
-                <a:rPr lang="en-US" sz="2800" dirty="0" smtClean="0">
-                  <a:solidFill>
-                    <a:srgbClr val="000000"/>
-                  </a:solidFill>
-                </a:rPr>
-                <a:t>)</a:t>
-              </a:r>
-              <a:endParaRPr lang="en-US" sz="2800" dirty="0" smtClean="0">
+              <a:endParaRPr lang="en-US" sz="2800" dirty="0">
                 <a:solidFill>
                   <a:srgbClr val="000000"/>
                 </a:solidFill>
@@ -29329,64 +28546,8 @@
                     <a:srgbClr val="000000"/>
                   </a:solidFill>
                 </a:rPr>
-                <a:t>Provides </a:t>
+                <a:t>Can be extended with custom and community resources</a:t>
               </a:r>
-              <a:r>
-                <a:rPr lang="en-US" sz="2800" dirty="0" smtClean="0">
-                  <a:solidFill>
-                    <a:srgbClr val="000000"/>
-                  </a:solidFill>
-                </a:rPr>
-                <a:t>a basic set of windows-specific configuration </a:t>
-              </a:r>
-              <a:r>
-                <a:rPr lang="en-US" sz="2800" dirty="0" smtClean="0">
-                  <a:solidFill>
-                    <a:srgbClr val="000000"/>
-                  </a:solidFill>
-                </a:rPr>
-                <a:t>resources</a:t>
-              </a:r>
-              <a:endParaRPr lang="en-US" sz="2800" dirty="0">
-                <a:solidFill>
-                  <a:srgbClr val="000000"/>
-                </a:solidFill>
-              </a:endParaRPr>
-            </a:p>
-            <a:p>
-              <a:pPr marL="1371600" lvl="2" indent="-457200">
-                <a:buFont typeface="Wingdings" charset="2"/>
-                <a:buChar char="§"/>
-              </a:pPr>
-              <a:r>
-                <a:rPr lang="en-US" sz="2800" dirty="0" smtClean="0">
-                  <a:solidFill>
-                    <a:srgbClr val="000000"/>
-                  </a:solidFill>
-                </a:rPr>
-                <a:t>Can </a:t>
-              </a:r>
-              <a:r>
-                <a:rPr lang="en-US" sz="2800" dirty="0" smtClean="0">
-                  <a:solidFill>
-                    <a:srgbClr val="000000"/>
-                  </a:solidFill>
-                </a:rPr>
-                <a:t>be extended with custom and community </a:t>
-              </a:r>
-              <a:r>
-                <a:rPr lang="en-US" sz="2800" dirty="0" smtClean="0">
-                  <a:solidFill>
-                    <a:srgbClr val="000000"/>
-                  </a:solidFill>
-                </a:rPr>
-                <a:t>resources</a:t>
-              </a:r>
-              <a:endParaRPr lang="en-US" sz="2800" dirty="0" smtClean="0">
-                <a:solidFill>
-                  <a:srgbClr val="000000"/>
-                </a:solidFill>
-              </a:endParaRPr>
             </a:p>
           </p:txBody>
         </p:sp>
@@ -30568,15 +29729,7 @@
                     <a:srgbClr val="000000"/>
                   </a:solidFill>
                 </a:rPr>
-                <a:t> </a:t>
-              </a:r>
-              <a:r>
-                <a:rPr lang="en-US" sz="2400" dirty="0" smtClean="0">
-                  <a:solidFill>
-                    <a:srgbClr val="000000"/>
-                  </a:solidFill>
-                </a:rPr>
-                <a:t>resource </a:t>
+                <a:t> resource </a:t>
               </a:r>
               <a:r>
                 <a:rPr lang="en-US" sz="2400" i="1" dirty="0" smtClean="0">
@@ -30619,15 +29772,7 @@
                     <a:srgbClr val="000000"/>
                   </a:solidFill>
                 </a:rPr>
-                <a:t>This </a:t>
-              </a:r>
-              <a:r>
-                <a:rPr lang="en-US" sz="2400" dirty="0" smtClean="0">
-                  <a:solidFill>
-                    <a:srgbClr val="000000"/>
-                  </a:solidFill>
-                </a:rPr>
-                <a:t>is because </a:t>
+                <a:t>This is because </a:t>
               </a:r>
               <a:r>
                 <a:rPr lang="en-US" sz="2400" dirty="0" err="1" smtClean="0">
@@ -30681,15 +29826,7 @@
                     <a:srgbClr val="000000"/>
                   </a:solidFill>
                 </a:rPr>
-                <a:t> </a:t>
-              </a:r>
-              <a:r>
-                <a:rPr lang="en-US" sz="2400" dirty="0" smtClean="0">
-                  <a:solidFill>
-                    <a:srgbClr val="000000"/>
-                  </a:solidFill>
-                </a:rPr>
-                <a:t>the </a:t>
+                <a:t> the </a:t>
               </a:r>
               <a:r>
                 <a:rPr lang="en-US" sz="2400" dirty="0" err="1" smtClean="0">
@@ -30735,15 +29872,7 @@
                     <a:srgbClr val="000000"/>
                   </a:solidFill>
                 </a:rPr>
-                <a:t>NOTE</a:t>
-              </a:r>
-              <a:r>
-                <a:rPr lang="en-US" sz="2400" dirty="0" smtClean="0">
-                  <a:solidFill>
-                    <a:srgbClr val="000000"/>
-                  </a:solidFill>
-                </a:rPr>
-                <a:t>: if using chef-client 12.6 and </a:t>
+                <a:t>NOTE: if using chef-client 12.6 and </a:t>
               </a:r>
               <a:r>
                 <a:rPr lang="en-US" sz="2400" dirty="0" err="1" smtClean="0">
@@ -30775,23 +29904,7 @@
                     <a:srgbClr val="000000"/>
                   </a:solidFill>
                 </a:rPr>
-                <a:t>, WMF </a:t>
-              </a:r>
-              <a:r>
-                <a:rPr lang="en-US" sz="2400" dirty="0" smtClean="0">
-                  <a:solidFill>
-                    <a:srgbClr val="000000"/>
-                  </a:solidFill>
-                </a:rPr>
-                <a:t>5 allows </a:t>
-              </a:r>
-              <a:r>
-                <a:rPr lang="en-US" sz="2400" dirty="0" smtClean="0">
-                  <a:solidFill>
-                    <a:srgbClr val="000000"/>
-                  </a:solidFill>
-                </a:rPr>
-                <a:t>for a mixed </a:t>
+                <a:t>, WMF 5 allows for a mixed </a:t>
               </a:r>
               <a:r>
                 <a:rPr lang="en-US" sz="2400" dirty="0" err="1" smtClean="0">
@@ -31495,15 +30608,7 @@
                     <a:srgbClr val="000000"/>
                   </a:solidFill>
                 </a:rPr>
-                <a:t>batch</a:t>
-              </a:r>
-              <a:r>
-                <a:rPr lang="en-US" sz="2800" dirty="0" smtClean="0">
-                  <a:solidFill>
-                    <a:srgbClr val="000000"/>
-                  </a:solidFill>
-                </a:rPr>
-                <a:t>: </a:t>
+                <a:t>batch: </a:t>
               </a:r>
               <a:r>
                 <a:rPr lang="en-US" sz="2800" dirty="0">
@@ -32010,17 +31115,8 @@
               </a:pPr>
               <a:r>
                 <a:rPr lang="en-US" sz="2800" dirty="0" smtClean="0"/>
-                <a:t>Explain </a:t>
+                <a:t>Explain what Desired State Configuration (DSC) does</a:t>
               </a:r>
-              <a:r>
-                <a:rPr lang="en-US" sz="2800" dirty="0" smtClean="0"/>
-                <a:t>what Desired State Configuration (DSC) </a:t>
-              </a:r>
-              <a:r>
-                <a:rPr lang="en-US" sz="2800" dirty="0" smtClean="0"/>
-                <a:t>does</a:t>
-              </a:r>
-              <a:endParaRPr lang="en-US" sz="2800" dirty="0" smtClean="0"/>
             </a:p>
             <a:p>
               <a:pPr marL="1428750" lvl="2" indent="-514350">
@@ -32029,15 +31125,7 @@
               </a:pPr>
               <a:r>
                 <a:rPr lang="en-US" sz="2800" dirty="0" smtClean="0"/>
-                <a:t>Understand </a:t>
-              </a:r>
-              <a:r>
-                <a:rPr lang="en-US" sz="2800" dirty="0" smtClean="0"/>
-                <a:t>the benefits of managing DSC with </a:t>
-              </a:r>
-              <a:r>
-                <a:rPr lang="en-US" sz="2800" dirty="0" smtClean="0"/>
-                <a:t>Chef</a:t>
+                <a:t>Understand the benefits of managing DSC with Chef</a:t>
               </a:r>
               <a:endParaRPr lang="en-US" sz="2800" dirty="0"/>
             </a:p>
@@ -32048,15 +31136,7 @@
               </a:pPr>
               <a:r>
                 <a:rPr lang="en-US" sz="2800" dirty="0" smtClean="0"/>
-                <a:t>Decide </a:t>
-              </a:r>
-              <a:r>
-                <a:rPr lang="en-US" sz="2800" dirty="0" smtClean="0"/>
-                <a:t>when to use Chef vs DSC </a:t>
-              </a:r>
-              <a:r>
-                <a:rPr lang="en-US" sz="2800" dirty="0" smtClean="0"/>
-                <a:t>resources</a:t>
+                <a:t>Decide when to use Chef vs DSC resources</a:t>
               </a:r>
               <a:endParaRPr lang="en-US" sz="2800" dirty="0"/>
             </a:p>
@@ -32067,11 +31147,7 @@
               </a:pPr>
               <a:r>
                 <a:rPr lang="en-US" sz="2800" dirty="0" smtClean="0"/>
-                <a:t>Utilize </a:t>
-              </a:r>
-              <a:r>
-                <a:rPr lang="en-US" sz="2800" dirty="0" smtClean="0"/>
-                <a:t>the </a:t>
+                <a:t>Utilize the </a:t>
               </a:r>
               <a:r>
                 <a:rPr lang="en-US" sz="2800" dirty="0" err="1" smtClean="0"/>
@@ -32087,13 +31163,8 @@
               </a:r>
               <a:r>
                 <a:rPr lang="en-US" sz="2800" dirty="0" smtClean="0"/>
-                <a:t> inside a </a:t>
+                <a:t> inside a recipe</a:t>
               </a:r>
-              <a:r>
-                <a:rPr lang="en-US" sz="2800" dirty="0" smtClean="0"/>
-                <a:t>recipe</a:t>
-              </a:r>
-              <a:endParaRPr lang="en-US" sz="2800" dirty="0" smtClean="0"/>
             </a:p>
           </p:txBody>
         </p:sp>
@@ -32493,23 +31564,7 @@
                     <a:srgbClr val="000000"/>
                   </a:solidFill>
                 </a:rPr>
-                <a:t>A </a:t>
-              </a:r>
-              <a:r>
-                <a:rPr lang="en-US" sz="2800" dirty="0" smtClean="0">
-                  <a:solidFill>
-                    <a:srgbClr val="000000"/>
-                  </a:solidFill>
-                </a:rPr>
-                <a:t>standard API for configuration </a:t>
-              </a:r>
-              <a:r>
-                <a:rPr lang="en-US" sz="2800" dirty="0" smtClean="0">
-                  <a:solidFill>
-                    <a:srgbClr val="000000"/>
-                  </a:solidFill>
-                </a:rPr>
-                <a:t>management</a:t>
+                <a:t>A standard API for configuration management</a:t>
               </a:r>
               <a:endParaRPr lang="en-US" sz="2800" dirty="0">
                 <a:solidFill>
@@ -32528,23 +31583,7 @@
                     <a:srgbClr val="000000"/>
                   </a:solidFill>
                 </a:rPr>
-                <a:t>An </a:t>
-              </a:r>
-              <a:r>
-                <a:rPr lang="en-US" sz="2800" dirty="0" smtClean="0">
-                  <a:solidFill>
-                    <a:srgbClr val="000000"/>
-                  </a:solidFill>
-                </a:rPr>
-                <a:t>interface for deploying and managing configuration </a:t>
-              </a:r>
-              <a:r>
-                <a:rPr lang="en-US" sz="2800" dirty="0" smtClean="0">
-                  <a:solidFill>
-                    <a:srgbClr val="000000"/>
-                  </a:solidFill>
-                </a:rPr>
-                <a:t>data</a:t>
+                <a:t>An interface for deploying and managing configuration data</a:t>
               </a:r>
               <a:endParaRPr lang="en-US" sz="2800" dirty="0">
                 <a:solidFill>
@@ -32563,15 +31602,7 @@
                     <a:srgbClr val="000000"/>
                   </a:solidFill>
                 </a:rPr>
-                <a:t>New </a:t>
-              </a:r>
-              <a:r>
-                <a:rPr lang="en-US" sz="2800" dirty="0" smtClean="0">
-                  <a:solidFill>
-                    <a:srgbClr val="000000"/>
-                  </a:solidFill>
-                </a:rPr>
-                <a:t>language </a:t>
+                <a:t>New language </a:t>
               </a:r>
               <a:r>
                 <a:rPr lang="en-US" sz="2800" dirty="0">
@@ -32636,23 +31667,7 @@
                     <a:srgbClr val="000000"/>
                   </a:solidFill>
                 </a:rPr>
-                <a:t>the </a:t>
-              </a:r>
-              <a:r>
-                <a:rPr lang="en-US" sz="2800" dirty="0" smtClean="0">
-                  <a:solidFill>
-                    <a:srgbClr val="000000"/>
-                  </a:solidFill>
-                </a:rPr>
-                <a:t>Local Configuration Manager (LCM</a:t>
-              </a:r>
-              <a:r>
-                <a:rPr lang="en-US" sz="2800" dirty="0" smtClean="0">
-                  <a:solidFill>
-                    <a:srgbClr val="000000"/>
-                  </a:solidFill>
-                </a:rPr>
-                <a:t>)</a:t>
+                <a:t>the Local Configuration Manager (LCM)</a:t>
               </a:r>
               <a:endParaRPr lang="en-US" sz="2800" dirty="0">
                 <a:solidFill>
@@ -33058,15 +32073,7 @@
                     <a:srgbClr val="000000"/>
                   </a:solidFill>
                 </a:rPr>
-                <a:t>The </a:t>
-              </a:r>
-              <a:r>
-                <a:rPr lang="en-US" sz="2800" dirty="0" smtClean="0">
-                  <a:solidFill>
-                    <a:srgbClr val="000000"/>
-                  </a:solidFill>
-                </a:rPr>
-                <a:t>DSC resource Kit (wave 10 as of this writing)</a:t>
+                <a:t>The DSC resource Kit (wave 10 as of this writing)</a:t>
               </a:r>
             </a:p>
             <a:p>
@@ -33080,15 +32087,7 @@
                     <a:srgbClr val="000000"/>
                   </a:solidFill>
                 </a:rPr>
-                <a:t>obtain </a:t>
-              </a:r>
-              <a:r>
-                <a:rPr lang="en-US" sz="2800" dirty="0" smtClean="0">
-                  <a:solidFill>
-                    <a:srgbClr val="000000"/>
-                  </a:solidFill>
-                </a:rPr>
-                <a:t>from </a:t>
+                <a:t>obtain from </a:t>
               </a:r>
               <a:r>
                 <a:rPr lang="en-US" sz="2800" dirty="0">
@@ -33133,29 +32132,8 @@
                     <a:srgbClr val="000000"/>
                   </a:solidFill>
                 </a:rPr>
-                <a:t> </a:t>
+                <a:t> community resources</a:t>
               </a:r>
-              <a:r>
-                <a:rPr lang="en-US" sz="2800" dirty="0" smtClean="0">
-                  <a:solidFill>
-                    <a:srgbClr val="000000"/>
-                  </a:solidFill>
-                </a:rPr>
-                <a:t>community </a:t>
-              </a:r>
-              <a:r>
-                <a:rPr lang="en-US" sz="2800" dirty="0" smtClean="0">
-                  <a:solidFill>
-                    <a:srgbClr val="000000"/>
-                  </a:solidFill>
-                </a:rPr>
-                <a:t>resources</a:t>
-              </a:r>
-              <a:endParaRPr lang="en-US" sz="2800" dirty="0" smtClean="0">
-                <a:solidFill>
-                  <a:srgbClr val="000000"/>
-                </a:solidFill>
-              </a:endParaRPr>
             </a:p>
           </p:txBody>
         </p:sp>
@@ -33573,23 +32551,7 @@
                     <a:srgbClr val="000000"/>
                   </a:solidFill>
                 </a:rPr>
-                <a:t>A </a:t>
-              </a:r>
-              <a:r>
-                <a:rPr lang="en-US" sz="2800" dirty="0" smtClean="0">
-                  <a:solidFill>
-                    <a:srgbClr val="000000"/>
-                  </a:solidFill>
-                </a:rPr>
-                <a:t>standard API for configuration </a:t>
-              </a:r>
-              <a:r>
-                <a:rPr lang="en-US" sz="2800" dirty="0" smtClean="0">
-                  <a:solidFill>
-                    <a:srgbClr val="000000"/>
-                  </a:solidFill>
-                </a:rPr>
-                <a:t>management</a:t>
+                <a:t>A standard API for configuration management</a:t>
               </a:r>
               <a:endParaRPr lang="en-US" sz="2800" dirty="0">
                 <a:solidFill>
@@ -33608,23 +32570,7 @@
                     <a:srgbClr val="000000"/>
                   </a:solidFill>
                 </a:rPr>
-                <a:t>An </a:t>
-              </a:r>
-              <a:r>
-                <a:rPr lang="en-US" sz="2800" dirty="0" smtClean="0">
-                  <a:solidFill>
-                    <a:srgbClr val="000000"/>
-                  </a:solidFill>
-                </a:rPr>
-                <a:t>interface for deploying and managing configuration </a:t>
-              </a:r>
-              <a:r>
-                <a:rPr lang="en-US" sz="2800" dirty="0" smtClean="0">
-                  <a:solidFill>
-                    <a:srgbClr val="000000"/>
-                  </a:solidFill>
-                </a:rPr>
-                <a:t>data</a:t>
+                <a:t>An interface for deploying and managing configuration data</a:t>
               </a:r>
               <a:endParaRPr lang="en-US" sz="2800" dirty="0">
                 <a:solidFill>
@@ -33643,29 +32589,8 @@
                     <a:srgbClr val="000000"/>
                   </a:solidFill>
                 </a:rPr>
-                <a:t>Allows </a:t>
+                <a:t>Allows for extensive environment management</a:t>
               </a:r>
-              <a:r>
-                <a:rPr lang="en-US" sz="2800" dirty="0" smtClean="0">
-                  <a:solidFill>
-                    <a:srgbClr val="000000"/>
-                  </a:solidFill>
-                </a:rPr>
-                <a:t>for extensive environment </a:t>
-              </a:r>
-              <a:r>
-                <a:rPr lang="en-US" sz="2800" dirty="0" smtClean="0">
-                  <a:solidFill>
-                    <a:srgbClr val="000000"/>
-                  </a:solidFill>
-                </a:rPr>
-                <a:t>management</a:t>
-              </a:r>
-              <a:endParaRPr lang="en-US" sz="2800" dirty="0" smtClean="0">
-                <a:solidFill>
-                  <a:srgbClr val="000000"/>
-                </a:solidFill>
-              </a:endParaRPr>
             </a:p>
           </p:txBody>
         </p:sp>
@@ -33809,16 +32734,7 @@
                     </a:solidFill>
                     <a:latin typeface="+mj-lt"/>
                   </a:rPr>
-                  <a:t>	Excellent support </a:t>
-                </a:r>
-                <a:r>
-                  <a:rPr lang="en-US" sz="2800" kern="0" noProof="0" dirty="0" smtClean="0">
-                    <a:solidFill>
-                      <a:prstClr val="white"/>
-                    </a:solidFill>
-                    <a:latin typeface="+mj-lt"/>
-                  </a:rPr>
-                  <a:t>for:</a:t>
+                  <a:t>	Excellent support for:</a:t>
                 </a:r>
                 <a:endParaRPr kumimoji="0" lang="en-US" sz="2800" u="none" strike="noStrike" kern="0" cap="none" spc="0" normalizeH="0" baseline="0" noProof="0" dirty="0">
                   <a:ln>
@@ -34117,15 +33033,7 @@
                     <a:srgbClr val="000000"/>
                   </a:solidFill>
                 </a:rPr>
-                <a:t>Executing </a:t>
-              </a:r>
-              <a:r>
-                <a:rPr lang="en-US" sz="2800" dirty="0" smtClean="0">
-                  <a:solidFill>
-                    <a:srgbClr val="000000"/>
-                  </a:solidFill>
-                </a:rPr>
-                <a:t>resources independently</a:t>
+                <a:t>Executing resources independently</a:t>
               </a:r>
               <a:r>
                 <a:rPr lang="en-US" sz="2800" dirty="0">
@@ -34155,15 +33063,7 @@
                     <a:srgbClr val="000000"/>
                   </a:solidFill>
                 </a:rPr>
-                <a:t>Distributing </a:t>
-              </a:r>
-              <a:r>
-                <a:rPr lang="en-US" sz="2800" dirty="0" smtClean="0">
-                  <a:solidFill>
-                    <a:srgbClr val="000000"/>
-                  </a:solidFill>
-                </a:rPr>
-                <a:t>passwords </a:t>
+                <a:t>Distributing passwords </a:t>
               </a:r>
               <a:r>
                 <a:rPr lang="en-US" sz="2800" dirty="0">
@@ -34185,31 +33085,7 @@
                     <a:srgbClr val="000000"/>
                   </a:solidFill>
                 </a:rPr>
-                <a:t>Running </a:t>
-              </a:r>
-              <a:r>
-                <a:rPr lang="en-US" sz="2800" dirty="0" smtClean="0">
-                  <a:solidFill>
-                    <a:srgbClr val="000000"/>
-                  </a:solidFill>
-                </a:rPr>
-                <a:t>the chef-client as a service OR a </a:t>
-              </a:r>
-              <a:r>
-                <a:rPr lang="en-US" sz="2800" dirty="0" smtClean="0">
-                  <a:solidFill>
-                    <a:srgbClr val="000000"/>
-                  </a:solidFill>
-                </a:rPr>
-                <a:t>task</a:t>
-              </a:r>
-              <a:r>
-                <a:rPr lang="en-US" sz="2800" dirty="0" smtClean="0">
-                  <a:solidFill>
-                    <a:srgbClr val="000000"/>
-                  </a:solidFill>
-                </a:rPr>
-                <a:t>		</a:t>
+                <a:t>Running the chef-client as a service OR a task		</a:t>
               </a:r>
               <a:endParaRPr lang="en-US" sz="2800" dirty="0">
                 <a:solidFill>
@@ -34282,14 +33158,14 @@
           <p:nvPr>
             <p:extLst>
               <p:ext uri="{D42A27DB-BD31-4B8C-83A1-F6EECF244321}">
-                <p14:modId xmlns:p14="http://schemas.microsoft.com/office/powerpoint/2010/main" val="231107954"/>
+                <p14:modId xmlns:p14="http://schemas.microsoft.com/office/powerpoint/2010/main" val="3123207625"/>
               </p:ext>
             </p:extLst>
           </p:nvPr>
         </p:nvGraphicFramePr>
         <p:xfrm>
           <a:off x="838200" y="1690688"/>
-          <a:ext cx="10515600" cy="4577472"/>
+          <a:ext cx="10515600" cy="5048999"/>
         </p:xfrm>
         <a:graphic>
           <a:graphicData uri="http://schemas.openxmlformats.org/drawingml/2006/table">
@@ -34301,21 +33177,21 @@
                 <a:gridCol w="3505200">
                   <a:extLst>
                     <a:ext uri="{9D8B030D-6E8A-4147-A177-3AD203B41FA5}">
-                      <a16:colId xmlns:a16="http://schemas.microsoft.com/office/drawing/2014/main" xmlns="" val="48614039"/>
+                      <a16:colId xmlns="" xmlns:a16="http://schemas.microsoft.com/office/drawing/2014/main" val="48614039"/>
                     </a:ext>
                   </a:extLst>
                 </a:gridCol>
                 <a:gridCol w="3505200">
                   <a:extLst>
                     <a:ext uri="{9D8B030D-6E8A-4147-A177-3AD203B41FA5}">
-                      <a16:colId xmlns:a16="http://schemas.microsoft.com/office/drawing/2014/main" xmlns="" val="1124546490"/>
+                      <a16:colId xmlns="" xmlns:a16="http://schemas.microsoft.com/office/drawing/2014/main" val="1124546490"/>
                     </a:ext>
                   </a:extLst>
                 </a:gridCol>
                 <a:gridCol w="3505200">
                   <a:extLst>
                     <a:ext uri="{9D8B030D-6E8A-4147-A177-3AD203B41FA5}">
-                      <a16:colId xmlns:a16="http://schemas.microsoft.com/office/drawing/2014/main" xmlns="" val="2986980724"/>
+                      <a16:colId xmlns="" xmlns:a16="http://schemas.microsoft.com/office/drawing/2014/main" val="2986980724"/>
                     </a:ext>
                   </a:extLst>
                 </a:gridCol>
@@ -34328,14 +33204,14 @@
                     <a:p>
                       <a:pPr algn="ctr"/>
                       <a:r>
-                        <a:rPr lang="en-US" b="0" dirty="0" smtClean="0">
+                        <a:rPr lang="en-US" b="1" dirty="0" smtClean="0">
                           <a:solidFill>
                             <a:schemeClr val="bg1"/>
                           </a:solidFill>
                         </a:rPr>
                         <a:t>Feature</a:t>
                       </a:r>
-                      <a:endParaRPr lang="en-US" b="0" dirty="0">
+                      <a:endParaRPr lang="en-US" b="1" dirty="0">
                         <a:solidFill>
                           <a:schemeClr val="bg1"/>
                         </a:solidFill>
@@ -34404,7 +33280,7 @@
                 </a:tc>
                 <a:extLst>
                   <a:ext uri="{0D108BD9-81ED-4DB2-BD59-A6C34878D82A}">
-                    <a16:rowId xmlns:a16="http://schemas.microsoft.com/office/drawing/2014/main" xmlns="" val="679667022"/>
+                    <a16:rowId xmlns="" xmlns:a16="http://schemas.microsoft.com/office/drawing/2014/main" val="679667022"/>
                   </a:ext>
                 </a:extLst>
               </a:tr>
@@ -34416,10 +33292,10 @@
                     <a:p>
                       <a:pPr algn="l"/>
                       <a:r>
-                        <a:rPr lang="en-US" dirty="0" smtClean="0"/>
+                        <a:rPr lang="en-US" b="1" dirty="0" smtClean="0"/>
                         <a:t>Infrastructure as Code</a:t>
                       </a:r>
-                      <a:endParaRPr lang="en-US" dirty="0"/>
+                      <a:endParaRPr lang="en-US" b="1" dirty="0"/>
                     </a:p>
                   </a:txBody>
                   <a:tcPr>
@@ -34474,7 +33350,7 @@
                 </a:tc>
                 <a:extLst>
                   <a:ext uri="{0D108BD9-81ED-4DB2-BD59-A6C34878D82A}">
-                    <a16:rowId xmlns:a16="http://schemas.microsoft.com/office/drawing/2014/main" xmlns="" val="2034482246"/>
+                    <a16:rowId xmlns="" xmlns:a16="http://schemas.microsoft.com/office/drawing/2014/main" val="2034482246"/>
                   </a:ext>
                 </a:extLst>
               </a:tr>
@@ -34486,21 +33362,21 @@
                     <a:p>
                       <a:pPr algn="l"/>
                       <a:r>
-                        <a:rPr lang="en-US" dirty="0" smtClean="0"/>
+                        <a:rPr lang="en-US" b="1" dirty="0" smtClean="0"/>
                         <a:t>Uses Domain</a:t>
                       </a:r>
                       <a:r>
-                        <a:rPr lang="en-US" baseline="0" dirty="0" smtClean="0"/>
+                        <a:rPr lang="en-US" b="1" baseline="0" dirty="0" smtClean="0"/>
                         <a:t> Specific Language</a:t>
                       </a:r>
                     </a:p>
                     <a:p>
                       <a:pPr algn="l"/>
                       <a:r>
-                        <a:rPr lang="en-US" baseline="0" dirty="0" smtClean="0"/>
+                        <a:rPr lang="en-US" b="1" baseline="0" dirty="0" smtClean="0"/>
                         <a:t>(DSL)</a:t>
                       </a:r>
-                      <a:endParaRPr lang="en-US" dirty="0"/>
+                      <a:endParaRPr lang="en-US" b="1" dirty="0"/>
                     </a:p>
                   </a:txBody>
                   <a:tcPr>
@@ -34555,7 +33431,7 @@
                 </a:tc>
                 <a:extLst>
                   <a:ext uri="{0D108BD9-81ED-4DB2-BD59-A6C34878D82A}">
-                    <a16:rowId xmlns:a16="http://schemas.microsoft.com/office/drawing/2014/main" xmlns="" val="682465758"/>
+                    <a16:rowId xmlns="" xmlns:a16="http://schemas.microsoft.com/office/drawing/2014/main" val="682465758"/>
                   </a:ext>
                 </a:extLst>
               </a:tr>
@@ -34567,18 +33443,18 @@
                     <a:p>
                       <a:pPr algn="l"/>
                       <a:r>
-                        <a:rPr lang="en-US" dirty="0" smtClean="0"/>
+                        <a:rPr lang="en-US" b="1" dirty="0" smtClean="0"/>
                         <a:t>Configures</a:t>
                       </a:r>
                       <a:r>
-                        <a:rPr lang="en-US" baseline="0" dirty="0" smtClean="0"/>
+                        <a:rPr lang="en-US" b="1" baseline="0" dirty="0" smtClean="0"/>
                         <a:t> system</a:t>
                       </a:r>
                       <a:r>
-                        <a:rPr lang="en-US" dirty="0" smtClean="0"/>
+                        <a:rPr lang="en-US" b="1" dirty="0" smtClean="0"/>
                         <a:t> “Resources”</a:t>
                       </a:r>
-                      <a:endParaRPr lang="en-US" dirty="0"/>
+                      <a:endParaRPr lang="en-US" b="1" dirty="0"/>
                     </a:p>
                   </a:txBody>
                   <a:tcPr>
@@ -34633,7 +33509,7 @@
                 </a:tc>
                 <a:extLst>
                   <a:ext uri="{0D108BD9-81ED-4DB2-BD59-A6C34878D82A}">
-                    <a16:rowId xmlns:a16="http://schemas.microsoft.com/office/drawing/2014/main" xmlns="" val="4230228483"/>
+                    <a16:rowId xmlns="" xmlns:a16="http://schemas.microsoft.com/office/drawing/2014/main" val="4230228483"/>
                   </a:ext>
                 </a:extLst>
               </a:tr>
@@ -34645,10 +33521,10 @@
                     <a:p>
                       <a:pPr algn="l"/>
                       <a:r>
-                        <a:rPr lang="en-US" dirty="0" err="1" smtClean="0"/>
+                        <a:rPr lang="en-US" b="1" dirty="0" err="1" smtClean="0"/>
                         <a:t>Idempotence</a:t>
                       </a:r>
-                      <a:endParaRPr lang="en-US" dirty="0"/>
+                      <a:endParaRPr lang="en-US" b="1" dirty="0"/>
                     </a:p>
                   </a:txBody>
                   <a:tcPr>
@@ -34703,7 +33579,7 @@
                 </a:tc>
                 <a:extLst>
                   <a:ext uri="{0D108BD9-81ED-4DB2-BD59-A6C34878D82A}">
-                    <a16:rowId xmlns:a16="http://schemas.microsoft.com/office/drawing/2014/main" xmlns="" val="3329658239"/>
+                    <a16:rowId xmlns="" xmlns:a16="http://schemas.microsoft.com/office/drawing/2014/main" val="3329658239"/>
                   </a:ext>
                 </a:extLst>
               </a:tr>
@@ -34715,10 +33591,10 @@
                     <a:p>
                       <a:pPr algn="l"/>
                       <a:r>
-                        <a:rPr lang="en-US" dirty="0" smtClean="0"/>
+                        <a:rPr lang="en-US" b="1" dirty="0" smtClean="0"/>
                         <a:t>Runtime</a:t>
                       </a:r>
-                      <a:endParaRPr lang="en-US" dirty="0"/>
+                      <a:endParaRPr lang="en-US" b="1" dirty="0"/>
                     </a:p>
                   </a:txBody>
                   <a:tcPr>
@@ -34780,14 +33656,14 @@
                     <a:p>
                       <a:pPr algn="l"/>
                       <a:r>
-                        <a:rPr lang="en-US" dirty="0" smtClean="0"/>
+                        <a:rPr lang="en-US" b="1" dirty="0" smtClean="0"/>
                         <a:t>Client</a:t>
                       </a:r>
                       <a:r>
-                        <a:rPr lang="en-US" baseline="0" dirty="0" smtClean="0"/>
+                        <a:rPr lang="en-US" b="1" baseline="0" dirty="0" smtClean="0"/>
                         <a:t> Agent</a:t>
                       </a:r>
-                      <a:endParaRPr lang="en-US" dirty="0"/>
+                      <a:endParaRPr lang="en-US" b="1" dirty="0"/>
                     </a:p>
                   </a:txBody>
                   <a:tcPr>
@@ -34868,14 +33744,14 @@
                     <a:p>
                       <a:pPr algn="l"/>
                       <a:r>
-                        <a:rPr lang="en-US" dirty="0" smtClean="0"/>
+                        <a:rPr lang="en-US" b="1" dirty="0" smtClean="0"/>
                         <a:t>Configurable</a:t>
                       </a:r>
                       <a:r>
-                        <a:rPr lang="en-US" baseline="0" dirty="0" smtClean="0"/>
+                        <a:rPr lang="en-US" b="1" baseline="0" dirty="0" smtClean="0"/>
                         <a:t> Resource Parameters</a:t>
                       </a:r>
-                      <a:endParaRPr lang="en-US" dirty="0"/>
+                      <a:endParaRPr lang="en-US" b="1" dirty="0"/>
                     </a:p>
                   </a:txBody>
                   <a:tcPr>
@@ -34956,14 +33832,14 @@
                     <a:p>
                       <a:pPr algn="l"/>
                       <a:r>
-                        <a:rPr lang="en-US" dirty="0" smtClean="0"/>
+                        <a:rPr lang="en-US" b="1" dirty="0" smtClean="0"/>
                         <a:t>Environmental</a:t>
                       </a:r>
                       <a:r>
-                        <a:rPr lang="en-US" baseline="0" dirty="0" smtClean="0"/>
+                        <a:rPr lang="en-US" b="1" baseline="0" dirty="0" smtClean="0"/>
                         <a:t> Parameters</a:t>
                       </a:r>
-                      <a:endParaRPr lang="en-US" dirty="0"/>
+                      <a:endParaRPr lang="en-US" b="1" dirty="0"/>
                     </a:p>
                   </a:txBody>
                   <a:tcPr>
@@ -35416,15 +34292,7 @@
                     <a:srgbClr val="000000"/>
                   </a:solidFill>
                 </a:rPr>
-                <a:t>Resources </a:t>
-              </a:r>
-              <a:r>
-                <a:rPr lang="en-US" sz="2800" dirty="0" smtClean="0">
-                  <a:solidFill>
-                    <a:srgbClr val="000000"/>
-                  </a:solidFill>
-                </a:rPr>
-                <a:t>for Chef and DSC are comparable</a:t>
+                <a:t>Resources for Chef and DSC are comparable</a:t>
               </a:r>
               <a:endParaRPr lang="en-US" sz="2800" dirty="0">
                 <a:solidFill>
@@ -35443,23 +34311,7 @@
                     <a:srgbClr val="000000"/>
                   </a:solidFill>
                 </a:rPr>
-                <a:t>for </a:t>
-              </a:r>
-              <a:r>
-                <a:rPr lang="en-US" sz="2800" dirty="0" smtClean="0">
-                  <a:solidFill>
-                    <a:srgbClr val="000000"/>
-                  </a:solidFill>
-                </a:rPr>
-                <a:t>these we can use standard Chef resources like file, package, </a:t>
-              </a:r>
-              <a:r>
-                <a:rPr lang="en-US" sz="2800" dirty="0" smtClean="0">
-                  <a:solidFill>
-                    <a:srgbClr val="000000"/>
-                  </a:solidFill>
-                </a:rPr>
-                <a:t>service</a:t>
+                <a:t>for these we can use standard Chef resources like file, package, service</a:t>
               </a:r>
               <a:endParaRPr lang="en-US" sz="2800" dirty="0">
                 <a:solidFill>
@@ -35478,15 +34330,7 @@
                     <a:srgbClr val="000000"/>
                   </a:solidFill>
                 </a:rPr>
-                <a:t>Some </a:t>
-              </a:r>
-              <a:r>
-                <a:rPr lang="en-US" sz="2800" dirty="0" smtClean="0">
-                  <a:solidFill>
-                    <a:srgbClr val="000000"/>
-                  </a:solidFill>
-                </a:rPr>
-                <a:t>DSC resources do not have a direct comparison in Chef</a:t>
+                <a:t>Some DSC resources do not have a direct comparison in Chef</a:t>
               </a:r>
               <a:endParaRPr lang="en-US" sz="2800" dirty="0">
                 <a:solidFill>
@@ -35505,15 +34349,7 @@
                     <a:srgbClr val="000000"/>
                   </a:solidFill>
                 </a:rPr>
-                <a:t>For </a:t>
-              </a:r>
-              <a:r>
-                <a:rPr lang="en-US" sz="2800" dirty="0" smtClean="0">
-                  <a:solidFill>
-                    <a:srgbClr val="000000"/>
-                  </a:solidFill>
-                </a:rPr>
-                <a:t>example, the Archive resource, and other custom resources. </a:t>
+                <a:t>For example, the Archive resource, and other custom resources. </a:t>
               </a:r>
             </a:p>
             <a:p>
@@ -35527,15 +34363,7 @@
                     <a:srgbClr val="000000"/>
                   </a:solidFill>
                 </a:rPr>
-                <a:t>These </a:t>
-              </a:r>
-              <a:r>
-                <a:rPr lang="en-US" sz="2800" dirty="0" smtClean="0">
-                  <a:solidFill>
-                    <a:srgbClr val="000000"/>
-                  </a:solidFill>
-                </a:rPr>
-                <a:t>resources can be executed safely using Chef’s </a:t>
+                <a:t>These resources can be executed safely using Chef’s </a:t>
               </a:r>
               <a:r>
                 <a:rPr lang="en-US" sz="2800" dirty="0" err="1" smtClean="0">
@@ -35551,23 +34379,7 @@
                     <a:srgbClr val="000000"/>
                   </a:solidFill>
                 </a:rPr>
-                <a:t> </a:t>
-              </a:r>
-              <a:r>
-                <a:rPr lang="en-US" sz="2800" dirty="0" smtClean="0">
-                  <a:solidFill>
-                    <a:srgbClr val="000000"/>
-                  </a:solidFill>
-                </a:rPr>
-                <a:t>resource</a:t>
-              </a:r>
-              <a:r>
-                <a:rPr lang="en-US" sz="2800" dirty="0" smtClean="0">
-                  <a:solidFill>
-                    <a:srgbClr val="000000"/>
-                  </a:solidFill>
-                </a:rPr>
-                <a:t>	</a:t>
+                <a:t> resource	</a:t>
               </a:r>
               <a:endParaRPr lang="en-US" sz="2800" dirty="0">
                 <a:solidFill>
@@ -35854,7 +34666,7 @@
   <a:extraClrSchemeLst/>
   <a:extLst>
     <a:ext uri="{05A4C25C-085E-4340-85A3-A5531E510DB2}">
-      <thm15:themeFamily xmlns="" xmlns:thm15="http://schemas.microsoft.com/office/thememl/2012/main" name="Office Theme" id="{62F939B6-93AF-4DB8-9C6B-D6C7DFDC589F}" vid="{4A3C46E8-61CC-4603-A589-7422A47A8E4A}"/>
+      <thm15:themeFamily xmlns:thm15="http://schemas.microsoft.com/office/thememl/2012/main" xmlns="" name="Office Theme" id="{62F939B6-93AF-4DB8-9C6B-D6C7DFDC589F}" vid="{4A3C46E8-61CC-4603-A589-7422A47A8E4A}"/>
     </a:ext>
   </a:extLst>
 </a:theme>
@@ -36149,7 +34961,7 @@
   <a:extraClrSchemeLst/>
   <a:extLst>
     <a:ext uri="{05A4C25C-085E-4340-85A3-A5531E510DB2}">
-      <thm15:themeFamily xmlns:thm15="http://schemas.microsoft.com/office/thememl/2012/main" xmlns="" name="Office Theme" id="{62F939B6-93AF-4DB8-9C6B-D6C7DFDC589F}" vid="{4A3C46E8-61CC-4603-A589-7422A47A8E4A}"/>
+      <thm15:themeFamily xmlns="" xmlns:thm15="http://schemas.microsoft.com/office/thememl/2012/main" name="Office Theme" id="{62F939B6-93AF-4DB8-9C6B-D6C7DFDC589F}" vid="{4A3C46E8-61CC-4603-A589-7422A47A8E4A}"/>
     </a:ext>
   </a:extLst>
 </a:theme>

--- a/Complimentary Course Content/Module7/Lessons/Module7_Lesson5 Desired State Configuration with Chef.pptx
+++ b/Complimentary Course Content/Module7/Lessons/Module7_Lesson5 Desired State Configuration with Chef.pptx
@@ -144,7 +144,7 @@
   </p:defaultTextStyle>
   <p:extLst>
     <p:ext uri="{EFAFB233-063F-42B5-8137-9DF3F51BA10A}">
-      <p15:sldGuideLst xmlns="" xmlns:p15="http://schemas.microsoft.com/office/powerpoint/2012/main">
+      <p15:sldGuideLst xmlns:p15="http://schemas.microsoft.com/office/powerpoint/2012/main" xmlns="">
         <p15:guide id="1" orient="horz" pos="2184" userDrawn="1">
           <p15:clr>
             <a:srgbClr val="A4A3A4"/>
@@ -163,6 +163,7 @@
 
 <file path=ppt/commentAuthors.xml><?xml version="1.0" encoding="utf-8"?>
 <p:cmAuthorLst xmlns:a="http://schemas.openxmlformats.org/drawingml/2006/main" xmlns:r="http://schemas.openxmlformats.org/officeDocument/2006/relationships" xmlns:p="http://schemas.openxmlformats.org/presentationml/2006/main">
+  <p:cmAuthor id="7" name="Bev Weiler" initials="" lastIdx="0" clrIdx="6"/>
   <p:cmAuthor id="1" name="Kamren Z" initials="KZ" lastIdx="1" clrIdx="0">
     <p:extLst/>
   </p:cmAuthor>
@@ -265,7 +266,7 @@
             <a:fld id="{49B60EF2-7028-489F-85D8-FE86CD7CF2A0}" type="datetimeFigureOut">
               <a:rPr lang="en-US" smtClean="0"/>
               <a:pPr/>
-              <a:t>7/11/16</a:t>
+              <a:t>7/14/16</a:t>
             </a:fld>
             <a:endParaRPr lang="en-US"/>
           </a:p>
@@ -690,7 +691,43 @@
                 <a:ea typeface="+mn-ea"/>
                 <a:cs typeface="+mn-cs"/>
               </a:rPr>
-              <a:t>With DSC, you start by writing a configuration script in Windows PowerShell. This script doesn’t do anything. It doesn’t install, configure, provision, or anything else. It simply lists the elements you want configured, and how you want them configured. The configuration also specifies the machines to which it applies. When you run the configuration, PowerShell produces a Management Object Format (MOF) file for each targeted machine, or </a:t>
+              <a:t>To use DSC, start by writing a configuration script in Windows PowerShell. This script simply lists the elements to be configured, and how they should be configured. </a:t>
+            </a:r>
+          </a:p>
+          <a:p>
+            <a:pPr marL="171450" indent="-171450">
+              <a:buFont typeface="Arial"/>
+              <a:buChar char="•"/>
+            </a:pPr>
+            <a:r>
+              <a:rPr lang="en-US" sz="1200" b="0" i="0" kern="1200" dirty="0" smtClean="0">
+                <a:solidFill>
+                  <a:schemeClr val="tx1"/>
+                </a:solidFill>
+                <a:effectLst/>
+                <a:latin typeface="+mn-lt"/>
+                <a:ea typeface="+mn-ea"/>
+                <a:cs typeface="+mn-cs"/>
+              </a:rPr>
+              <a:t>The configuration script also specifies the machines to which it applies. </a:t>
+            </a:r>
+          </a:p>
+          <a:p>
+            <a:pPr marL="171450" indent="-171450">
+              <a:buFont typeface="Arial"/>
+              <a:buChar char="•"/>
+            </a:pPr>
+            <a:r>
+              <a:rPr lang="en-US" sz="1200" b="0" i="0" kern="1200" dirty="0" smtClean="0">
+                <a:solidFill>
+                  <a:schemeClr val="tx1"/>
+                </a:solidFill>
+                <a:effectLst/>
+                <a:latin typeface="+mn-lt"/>
+                <a:ea typeface="+mn-ea"/>
+                <a:cs typeface="+mn-cs"/>
+              </a:rPr>
+              <a:t>When the script is run, PowerShell produces a Management Object Format (MOF) file for each targeted machine, or </a:t>
             </a:r>
             <a:r>
               <a:rPr lang="en-US" sz="1200" b="0" i="1" kern="1200" dirty="0" smtClean="0">
@@ -704,6 +741,12 @@
               </a:rPr>
               <a:t>node. </a:t>
             </a:r>
+          </a:p>
+          <a:p>
+            <a:pPr marL="171450" indent="-171450">
+              <a:buFont typeface="Arial"/>
+              <a:buChar char="•"/>
+            </a:pPr>
             <a:r>
               <a:rPr lang="en-US" sz="1200" b="0" i="0" kern="1200" dirty="0" smtClean="0">
                 <a:solidFill>
@@ -714,15 +757,10 @@
                 <a:ea typeface="+mn-ea"/>
                 <a:cs typeface="+mn-cs"/>
               </a:rPr>
-              <a:t>MS chose the MOF format in part because it’s a widely accepted standard, you can create them with a variety of tools…even Notepad (but don’t create MOF files in Notepad).</a:t>
-            </a:r>
-          </a:p>
-          <a:p>
-            <a:pPr marL="685800" lvl="1" indent="-228600">
-              <a:buAutoNum type="arabicPeriod"/>
-            </a:pPr>
-            <a:r>
-              <a:rPr lang="en-US" sz="1200" b="0" i="0" kern="1200" dirty="0" smtClean="0">
+              <a:t>If</a:t>
+            </a:r>
+            <a:r>
+              <a:rPr lang="en-US" sz="1200" b="0" i="0" kern="1200" baseline="0" dirty="0" smtClean="0">
                 <a:solidFill>
                   <a:schemeClr val="tx1"/>
                 </a:solidFill>
@@ -731,12 +769,13 @@
                 <a:ea typeface="+mn-ea"/>
                 <a:cs typeface="+mn-cs"/>
               </a:rPr>
-              <a:t>Write a configuration script in PowerShell.</a:t>
-            </a:r>
-          </a:p>
-          <a:p>
-            <a:pPr marL="685800" lvl="1" indent="-228600">
-              <a:buAutoNum type="arabicPeriod"/>
+              <a:t> the configuration is written to target multiple nodes, an MOF file will be created for each one.</a:t>
+            </a:r>
+          </a:p>
+          <a:p>
+            <a:pPr marL="171450" indent="-171450">
+              <a:buFont typeface="Arial"/>
+              <a:buChar char="•"/>
             </a:pPr>
             <a:r>
               <a:rPr lang="en-US" sz="1200" b="0" i="0" kern="1200" dirty="0" smtClean="0">
@@ -748,12 +787,13 @@
                 <a:ea typeface="+mn-ea"/>
                 <a:cs typeface="+mn-cs"/>
               </a:rPr>
-              <a:t>Run that script, which creates one or more MOF files, depending on how many machines (called nodes). If your configuration is written to target multiple nodes, you’ll get a MOF file for each one. Machines with the same configuration (like members of a web farm) can use the same MOF file and DSC configuration ID.</a:t>
-            </a:r>
-          </a:p>
-          <a:p>
-            <a:pPr marL="685800" lvl="1" indent="-228600">
-              <a:buAutoNum type="arabicPeriod"/>
+              <a:t>Machines with the same configuration (like members of a web farm) can use the same MOF file and DSC configuration ID.</a:t>
+            </a:r>
+          </a:p>
+          <a:p>
+            <a:pPr marL="171450" indent="-171450">
+              <a:buFont typeface="Arial"/>
+              <a:buChar char="•"/>
             </a:pPr>
             <a:r>
               <a:rPr lang="en-US" sz="1200" b="0" i="0" kern="1200" dirty="0" smtClean="0">
@@ -781,8 +821,9 @@
             </a:r>
           </a:p>
           <a:p>
-            <a:pPr marL="685800" lvl="1" indent="-228600">
-              <a:buAutoNum type="arabicPeriod"/>
+            <a:pPr marL="171450" indent="-171450">
+              <a:buFont typeface="Arial"/>
+              <a:buChar char="•"/>
             </a:pPr>
             <a:r>
               <a:rPr lang="en-US" sz="1200" b="0" i="0" kern="1200" dirty="0" smtClean="0">
@@ -794,22 +835,8 @@
                 <a:ea typeface="+mn-ea"/>
                 <a:cs typeface="+mn-cs"/>
               </a:rPr>
-              <a:t>4. Nodes start configuring themselves to match what is defined in the MOF file.</a:t>
-            </a:r>
-          </a:p>
-          <a:p>
-            <a:pPr marL="0" indent="0">
-              <a:buNone/>
-            </a:pPr>
-            <a:endParaRPr lang="en-US" sz="1200" b="0" i="0" kern="1200" dirty="0" smtClean="0">
-              <a:solidFill>
-                <a:schemeClr val="tx1"/>
-              </a:solidFill>
-              <a:effectLst/>
-              <a:latin typeface="+mn-lt"/>
-              <a:ea typeface="+mn-ea"/>
-              <a:cs typeface="+mn-cs"/>
-            </a:endParaRPr>
+              <a:t>Nodes start configuring themselves to match what is defined in the MOF file.</a:t>
+            </a:r>
           </a:p>
           <a:p>
             <a:pPr marL="171450" indent="-171450">
@@ -848,7 +875,7 @@
               <a:defRPr/>
             </a:pPr>
             <a:r>
-              <a:rPr lang="en-US" sz="1200" b="1" i="1" kern="1200" dirty="0" smtClean="0">
+              <a:rPr lang="en-US" sz="1200" b="0" i="1" kern="1200" dirty="0" smtClean="0">
                 <a:solidFill>
                   <a:schemeClr val="tx1"/>
                 </a:solidFill>
@@ -893,8 +920,29 @@
                 <a:ea typeface="+mn-ea"/>
                 <a:cs typeface="+mn-cs"/>
               </a:rPr>
-              <a:t>) remoting</a:t>
-            </a:r>
+              <a:t>) </a:t>
+            </a:r>
+            <a:r>
+              <a:rPr lang="en-US" sz="1200" b="0" i="0" kern="1200" dirty="0" err="1" smtClean="0">
+                <a:solidFill>
+                  <a:schemeClr val="tx1"/>
+                </a:solidFill>
+                <a:effectLst/>
+                <a:latin typeface="+mn-lt"/>
+                <a:ea typeface="+mn-ea"/>
+                <a:cs typeface="+mn-cs"/>
+              </a:rPr>
+              <a:t>remoting</a:t>
+            </a:r>
+            <a:endParaRPr lang="en-US" sz="1200" b="0" i="0" kern="1200" dirty="0" smtClean="0">
+              <a:solidFill>
+                <a:schemeClr val="tx1"/>
+              </a:solidFill>
+              <a:effectLst/>
+              <a:latin typeface="+mn-lt"/>
+              <a:ea typeface="+mn-ea"/>
+              <a:cs typeface="+mn-cs"/>
+            </a:endParaRPr>
           </a:p>
           <a:p>
             <a:pPr marL="628650" marR="0" lvl="1" indent="-171450" algn="l" defTabSz="914400" rtl="0" eaLnBrk="1" fontAlgn="auto" latinLnBrk="0" hangingPunct="1">
@@ -915,7 +963,7 @@
               <a:defRPr/>
             </a:pPr>
             <a:r>
-              <a:rPr lang="en-US" sz="1200" b="1" i="1" kern="1200" dirty="0" smtClean="0">
+              <a:rPr lang="en-US" sz="1200" b="0" i="1" kern="1200" dirty="0" smtClean="0">
                 <a:solidFill>
                   <a:schemeClr val="tx1"/>
                 </a:solidFill>
@@ -1012,7 +1060,38 @@
                 <a:ea typeface="+mn-ea"/>
                 <a:cs typeface="+mn-cs"/>
               </a:rPr>
-              <a:t>Pull mode is the way the vast majority of enterprises in the real world will use DSC and thus is the method we will typically use in this series. When you use the pull server method, the nodes will not only recheck their configuration every few minutes, but they will also check the pull server for an updated MOF file to ensure they checking for your current intended configuration.</a:t>
+              <a:t>Pull mode is the way the vast majority of enterprises in the real world will use DSC. </a:t>
+            </a:r>
+          </a:p>
+          <a:p>
+            <a:pPr marL="171450" marR="0" indent="-171450" algn="l" defTabSz="914400" rtl="0" eaLnBrk="1" fontAlgn="auto" latinLnBrk="0" hangingPunct="1">
+              <a:lnSpc>
+                <a:spcPct val="100000"/>
+              </a:lnSpc>
+              <a:spcBef>
+                <a:spcPts val="0"/>
+              </a:spcBef>
+              <a:spcAft>
+                <a:spcPts val="0"/>
+              </a:spcAft>
+              <a:buClrTx/>
+              <a:buSzTx/>
+              <a:buFont typeface="Arial"/>
+              <a:buChar char="•"/>
+              <a:tabLst/>
+              <a:defRPr/>
+            </a:pPr>
+            <a:r>
+              <a:rPr lang="en-US" sz="1200" b="0" i="0" kern="1200" dirty="0" smtClean="0">
+                <a:solidFill>
+                  <a:schemeClr val="tx1"/>
+                </a:solidFill>
+                <a:effectLst/>
+                <a:latin typeface="+mn-lt"/>
+                <a:ea typeface="+mn-ea"/>
+                <a:cs typeface="+mn-cs"/>
+              </a:rPr>
+              <a:t>When using the pull server method, the nodes will not only recheck their configuration every few minutes, but they will also check the pull server for an updated MOF file to ensure they checking for your current intended configuration.</a:t>
             </a:r>
           </a:p>
           <a:p>
@@ -7373,7 +7452,15 @@
             </a:r>
             <a:r>
               <a:rPr lang="en-US" baseline="0" dirty="0" smtClean="0"/>
-              <a:t> that an Apache web server is installed and started, with a default web page is created with the words “Hello, World!”</a:t>
+              <a:t> that an Apache web server is installed and </a:t>
+            </a:r>
+            <a:r>
+              <a:rPr lang="en-US" baseline="0" dirty="0" smtClean="0"/>
+              <a:t>started. A </a:t>
+            </a:r>
+            <a:r>
+              <a:rPr lang="en-US" baseline="0" dirty="0" smtClean="0"/>
+              <a:t>default web page is created with the words “Hello, World!”</a:t>
             </a:r>
             <a:endParaRPr lang="en-US" dirty="0"/>
           </a:p>
@@ -10942,7 +11029,7 @@
             <a:fld id="{0459C166-16D3-4A25-A2F8-C51E0E346B22}" type="datetimeFigureOut">
               <a:rPr lang="en-US" smtClean="0"/>
               <a:pPr/>
-              <a:t>7/11/16</a:t>
+              <a:t>7/14/16</a:t>
             </a:fld>
             <a:endParaRPr lang="en-US"/>
           </a:p>
@@ -11311,7 +11398,7 @@
             <a:fld id="{0459C166-16D3-4A25-A2F8-C51E0E346B22}" type="datetimeFigureOut">
               <a:rPr lang="en-US" smtClean="0"/>
               <a:pPr/>
-              <a:t>7/11/16</a:t>
+              <a:t>7/14/16</a:t>
             </a:fld>
             <a:endParaRPr lang="en-US"/>
           </a:p>
@@ -11431,7 +11518,7 @@
             <a:fld id="{0459C166-16D3-4A25-A2F8-C51E0E346B22}" type="datetimeFigureOut">
               <a:rPr lang="en-US" smtClean="0"/>
               <a:pPr/>
-              <a:t>7/11/16</a:t>
+              <a:t>7/14/16</a:t>
             </a:fld>
             <a:endParaRPr lang="en-US"/>
           </a:p>
@@ -11922,7 +12009,7 @@
             <a:fld id="{0459C166-16D3-4A25-A2F8-C51E0E346B22}" type="datetimeFigureOut">
               <a:rPr lang="en-US" smtClean="0"/>
               <a:pPr/>
-              <a:t>7/11/16</a:t>
+              <a:t>7/14/16</a:t>
             </a:fld>
             <a:endParaRPr lang="en-US"/>
           </a:p>
@@ -12094,7 +12181,7 @@
             <a:fld id="{0459C166-16D3-4A25-A2F8-C51E0E346B22}" type="datetimeFigureOut">
               <a:rPr lang="en-US" smtClean="0"/>
               <a:pPr/>
-              <a:t>7/11/16</a:t>
+              <a:t>7/14/16</a:t>
             </a:fld>
             <a:endParaRPr lang="en-US"/>
           </a:p>
@@ -12360,7 +12447,7 @@
             <a:fld id="{0459C166-16D3-4A25-A2F8-C51E0E346B22}" type="datetimeFigureOut">
               <a:rPr lang="en-US" smtClean="0"/>
               <a:pPr/>
-              <a:t>7/11/16</a:t>
+              <a:t>7/14/16</a:t>
             </a:fld>
             <a:endParaRPr lang="en-US"/>
           </a:p>
@@ -12680,7 +12767,7 @@
             <a:fld id="{0459C166-16D3-4A25-A2F8-C51E0E346B22}" type="datetimeFigureOut">
               <a:rPr lang="en-US" smtClean="0"/>
               <a:pPr/>
-              <a:t>7/11/16</a:t>
+              <a:t>7/14/16</a:t>
             </a:fld>
             <a:endParaRPr lang="en-US"/>
           </a:p>
@@ -13079,7 +13166,7 @@
             <a:fld id="{0459C166-16D3-4A25-A2F8-C51E0E346B22}" type="datetimeFigureOut">
               <a:rPr lang="en-US" smtClean="0"/>
               <a:pPr/>
-              <a:t>7/11/16</a:t>
+              <a:t>7/14/16</a:t>
             </a:fld>
             <a:endParaRPr lang="en-US"/>
           </a:p>
@@ -13707,7 +13794,7 @@
             <a:fld id="{0459C166-16D3-4A25-A2F8-C51E0E346B22}" type="datetimeFigureOut">
               <a:rPr lang="en-US" smtClean="0"/>
               <a:pPr/>
-              <a:t>7/11/16</a:t>
+              <a:t>7/14/16</a:t>
             </a:fld>
             <a:endParaRPr lang="en-US"/>
           </a:p>
@@ -14223,7 +14310,7 @@
             <a:fld id="{0459C166-16D3-4A25-A2F8-C51E0E346B22}" type="datetimeFigureOut">
               <a:rPr lang="en-US" smtClean="0"/>
               <a:pPr/>
-              <a:t>7/11/16</a:t>
+              <a:t>7/14/16</a:t>
             </a:fld>
             <a:endParaRPr lang="en-US"/>
           </a:p>
@@ -14592,7 +14679,7 @@
             <a:fld id="{0459C166-16D3-4A25-A2F8-C51E0E346B22}" type="datetimeFigureOut">
               <a:rPr lang="en-US" smtClean="0"/>
               <a:pPr/>
-              <a:t>7/11/16</a:t>
+              <a:t>7/14/16</a:t>
             </a:fld>
             <a:endParaRPr lang="en-US"/>
           </a:p>
@@ -14712,7 +14799,7 @@
             <a:fld id="{0459C166-16D3-4A25-A2F8-C51E0E346B22}" type="datetimeFigureOut">
               <a:rPr lang="en-US" smtClean="0"/>
               <a:pPr/>
-              <a:t>7/11/16</a:t>
+              <a:t>7/14/16</a:t>
             </a:fld>
             <a:endParaRPr lang="en-US"/>
           </a:p>
@@ -15257,7 +15344,7 @@
             <a:fld id="{0459C166-16D3-4A25-A2F8-C51E0E346B22}" type="datetimeFigureOut">
               <a:rPr lang="en-US" smtClean="0"/>
               <a:pPr/>
-              <a:t>7/11/16</a:t>
+              <a:t>7/14/16</a:t>
             </a:fld>
             <a:endParaRPr lang="en-US"/>
           </a:p>
@@ -15577,7 +15664,7 @@
             <a:fld id="{0459C166-16D3-4A25-A2F8-C51E0E346B22}" type="datetimeFigureOut">
               <a:rPr lang="en-US" smtClean="0"/>
               <a:pPr/>
-              <a:t>7/11/16</a:t>
+              <a:t>7/14/16</a:t>
             </a:fld>
             <a:endParaRPr lang="en-US"/>
           </a:p>
@@ -15976,7 +16063,7 @@
             <a:fld id="{0459C166-16D3-4A25-A2F8-C51E0E346B22}" type="datetimeFigureOut">
               <a:rPr lang="en-US" smtClean="0"/>
               <a:pPr/>
-              <a:t>7/11/16</a:t>
+              <a:t>7/14/16</a:t>
             </a:fld>
             <a:endParaRPr lang="en-US"/>
           </a:p>
@@ -16948,7 +17035,7 @@
             <a:fld id="{0459C166-16D3-4A25-A2F8-C51E0E346B22}" type="datetimeFigureOut">
               <a:rPr lang="en-US" smtClean="0"/>
               <a:pPr/>
-              <a:t>7/11/16</a:t>
+              <a:t>7/14/16</a:t>
             </a:fld>
             <a:endParaRPr lang="en-US"/>
           </a:p>
@@ -17162,7 +17249,7 @@
             <a:fld id="{0459C166-16D3-4A25-A2F8-C51E0E346B22}" type="datetimeFigureOut">
               <a:rPr lang="en-US" smtClean="0"/>
               <a:pPr/>
-              <a:t>7/11/16</a:t>
+              <a:t>7/14/16</a:t>
             </a:fld>
             <a:endParaRPr lang="en-US"/>
           </a:p>
@@ -17704,7 +17791,7 @@
             <a:fld id="{0459C166-16D3-4A25-A2F8-C51E0E346B22}" type="datetimeFigureOut">
               <a:rPr lang="en-US" smtClean="0"/>
               <a:pPr/>
-              <a:t>7/11/16</a:t>
+              <a:t>7/14/16</a:t>
             </a:fld>
             <a:endParaRPr lang="en-US"/>
           </a:p>
@@ -18309,21 +18396,21 @@
                 <a:gridCol w="3505200">
                   <a:extLst>
                     <a:ext uri="{9D8B030D-6E8A-4147-A177-3AD203B41FA5}">
-                      <a16:colId xmlns="" xmlns:a16="http://schemas.microsoft.com/office/drawing/2014/main" val="48614039"/>
+                      <a16:colId xmlns:a16="http://schemas.microsoft.com/office/drawing/2014/main" xmlns="" val="48614039"/>
                     </a:ext>
                   </a:extLst>
                 </a:gridCol>
                 <a:gridCol w="3505200">
                   <a:extLst>
                     <a:ext uri="{9D8B030D-6E8A-4147-A177-3AD203B41FA5}">
-                      <a16:colId xmlns="" xmlns:a16="http://schemas.microsoft.com/office/drawing/2014/main" val="1124546490"/>
+                      <a16:colId xmlns:a16="http://schemas.microsoft.com/office/drawing/2014/main" xmlns="" val="1124546490"/>
                     </a:ext>
                   </a:extLst>
                 </a:gridCol>
                 <a:gridCol w="3505200">
                   <a:extLst>
                     <a:ext uri="{9D8B030D-6E8A-4147-A177-3AD203B41FA5}">
-                      <a16:colId xmlns="" xmlns:a16="http://schemas.microsoft.com/office/drawing/2014/main" val="2986980724"/>
+                      <a16:colId xmlns:a16="http://schemas.microsoft.com/office/drawing/2014/main" xmlns="" val="2986980724"/>
                     </a:ext>
                   </a:extLst>
                 </a:gridCol>
@@ -18412,7 +18499,7 @@
                 </a:tc>
                 <a:extLst>
                   <a:ext uri="{0D108BD9-81ED-4DB2-BD59-A6C34878D82A}">
-                    <a16:rowId xmlns="" xmlns:a16="http://schemas.microsoft.com/office/drawing/2014/main" val="679667022"/>
+                    <a16:rowId xmlns:a16="http://schemas.microsoft.com/office/drawing/2014/main" xmlns="" val="679667022"/>
                   </a:ext>
                 </a:extLst>
               </a:tr>
@@ -18486,7 +18573,7 @@
                 </a:tc>
                 <a:extLst>
                   <a:ext uri="{0D108BD9-81ED-4DB2-BD59-A6C34878D82A}">
-                    <a16:rowId xmlns="" xmlns:a16="http://schemas.microsoft.com/office/drawing/2014/main" val="2034482246"/>
+                    <a16:rowId xmlns:a16="http://schemas.microsoft.com/office/drawing/2014/main" xmlns="" val="2034482246"/>
                   </a:ext>
                 </a:extLst>
               </a:tr>
@@ -18560,7 +18647,7 @@
                 </a:tc>
                 <a:extLst>
                   <a:ext uri="{0D108BD9-81ED-4DB2-BD59-A6C34878D82A}">
-                    <a16:rowId xmlns="" xmlns:a16="http://schemas.microsoft.com/office/drawing/2014/main" val="682465758"/>
+                    <a16:rowId xmlns:a16="http://schemas.microsoft.com/office/drawing/2014/main" xmlns="" val="682465758"/>
                   </a:ext>
                 </a:extLst>
               </a:tr>
@@ -18634,7 +18721,7 @@
                 </a:tc>
                 <a:extLst>
                   <a:ext uri="{0D108BD9-81ED-4DB2-BD59-A6C34878D82A}">
-                    <a16:rowId xmlns="" xmlns:a16="http://schemas.microsoft.com/office/drawing/2014/main" val="4230228483"/>
+                    <a16:rowId xmlns:a16="http://schemas.microsoft.com/office/drawing/2014/main" xmlns="" val="4230228483"/>
                   </a:ext>
                 </a:extLst>
               </a:tr>
@@ -18716,7 +18803,7 @@
                 </a:tc>
                 <a:extLst>
                   <a:ext uri="{0D108BD9-81ED-4DB2-BD59-A6C34878D82A}">
-                    <a16:rowId xmlns="" xmlns:a16="http://schemas.microsoft.com/office/drawing/2014/main" val="3329658239"/>
+                    <a16:rowId xmlns:a16="http://schemas.microsoft.com/office/drawing/2014/main" xmlns="" val="3329658239"/>
                   </a:ext>
                 </a:extLst>
               </a:tr>
@@ -19981,7 +20068,19 @@
           <a:p>
             <a:r>
               <a:rPr lang="en-US" dirty="0" smtClean="0"/>
-              <a:t>How DSC works – a common Pull architecture</a:t>
+              <a:t>How DSC works – a </a:t>
+            </a:r>
+            <a:r>
+              <a:rPr lang="en-US" dirty="0" smtClean="0"/>
+              <a:t>Common </a:t>
+            </a:r>
+            <a:r>
+              <a:rPr lang="en-US" dirty="0" smtClean="0"/>
+              <a:t>Pull </a:t>
+            </a:r>
+            <a:r>
+              <a:rPr lang="en-US" dirty="0" smtClean="0"/>
+              <a:t>Architecture</a:t>
             </a:r>
             <a:endParaRPr lang="en-US" dirty="0"/>
           </a:p>
@@ -23433,7 +23532,11 @@
           <a:p>
             <a:r>
               <a:rPr lang="en-US" sz="4400" dirty="0" smtClean="0"/>
-              <a:t>How DSC works</a:t>
+              <a:t>How DSC </a:t>
+            </a:r>
+            <a:r>
+              <a:rPr lang="en-US" sz="4400" dirty="0" smtClean="0"/>
+              <a:t>Works</a:t>
             </a:r>
             <a:endParaRPr lang="en-US" sz="4400" dirty="0"/>
           </a:p>
@@ -25023,7 +25126,11 @@
           <a:p>
             <a:r>
               <a:rPr lang="en-US" sz="4400" dirty="0" smtClean="0"/>
-              <a:t>Chef’s DSC support</a:t>
+              <a:t>Chef’s DSC </a:t>
+            </a:r>
+            <a:r>
+              <a:rPr lang="en-US" sz="4400" dirty="0" smtClean="0"/>
+              <a:t>Support</a:t>
             </a:r>
             <a:endParaRPr lang="en-US" sz="4400" dirty="0"/>
           </a:p>
@@ -25470,7 +25577,11 @@
             </a:r>
             <a:r>
               <a:rPr lang="en-US" sz="4800" dirty="0" smtClean="0"/>
-              <a:t> example</a:t>
+              <a:t> </a:t>
+            </a:r>
+            <a:r>
+              <a:rPr lang="en-US" sz="4800" dirty="0" smtClean="0"/>
+              <a:t>Example</a:t>
             </a:r>
             <a:endParaRPr lang="en-US" sz="4800" dirty="0"/>
           </a:p>
@@ -25656,8 +25767,13 @@
             </a:r>
             <a:r>
               <a:rPr lang="en-US" sz="4800" dirty="0"/>
-              <a:t> syntax</a:t>
-            </a:r>
+              <a:t> </a:t>
+            </a:r>
+            <a:r>
+              <a:rPr lang="en-US" sz="4800" dirty="0" smtClean="0"/>
+              <a:t>Syntax</a:t>
+            </a:r>
+            <a:endParaRPr lang="en-US" sz="4800" dirty="0"/>
           </a:p>
         </p:txBody>
       </p:sp>
@@ -26317,8 +26433,12 @@
               <a:t> </a:t>
             </a:r>
             <a:r>
+              <a:rPr lang="en-US" dirty="0"/>
+              <a:t>A</a:t>
+            </a:r>
+            <a:r>
               <a:rPr lang="en-US" dirty="0" smtClean="0"/>
-              <a:t>attributes</a:t>
+              <a:t>ttributes</a:t>
             </a:r>
             <a:endParaRPr lang="en-US" dirty="0"/>
           </a:p>
@@ -26352,14 +26472,14 @@
                 <a:gridCol w="3505200">
                   <a:extLst>
                     <a:ext uri="{9D8B030D-6E8A-4147-A177-3AD203B41FA5}">
-                      <a16:colId xmlns="" xmlns:a16="http://schemas.microsoft.com/office/drawing/2014/main" val="48614039"/>
+                      <a16:colId xmlns:a16="http://schemas.microsoft.com/office/drawing/2014/main" xmlns="" val="48614039"/>
                     </a:ext>
                   </a:extLst>
                 </a:gridCol>
                 <a:gridCol w="3505200">
                   <a:extLst>
                     <a:ext uri="{9D8B030D-6E8A-4147-A177-3AD203B41FA5}">
-                      <a16:colId xmlns="" xmlns:a16="http://schemas.microsoft.com/office/drawing/2014/main" val="1124546490"/>
+                      <a16:colId xmlns:a16="http://schemas.microsoft.com/office/drawing/2014/main" xmlns="" val="1124546490"/>
                     </a:ext>
                   </a:extLst>
                 </a:gridCol>
@@ -26429,7 +26549,7 @@
                 </a:tc>
                 <a:extLst>
                   <a:ext uri="{0D108BD9-81ED-4DB2-BD59-A6C34878D82A}">
-                    <a16:rowId xmlns="" xmlns:a16="http://schemas.microsoft.com/office/drawing/2014/main" val="679667022"/>
+                    <a16:rowId xmlns:a16="http://schemas.microsoft.com/office/drawing/2014/main" xmlns="" val="679667022"/>
                   </a:ext>
                 </a:extLst>
               </a:tr>
@@ -26501,7 +26621,7 @@
                 </a:tc>
                 <a:extLst>
                   <a:ext uri="{0D108BD9-81ED-4DB2-BD59-A6C34878D82A}">
-                    <a16:rowId xmlns="" xmlns:a16="http://schemas.microsoft.com/office/drawing/2014/main" val="2034482246"/>
+                    <a16:rowId xmlns:a16="http://schemas.microsoft.com/office/drawing/2014/main" xmlns="" val="2034482246"/>
                   </a:ext>
                 </a:extLst>
               </a:tr>
@@ -26573,7 +26693,7 @@
                 </a:tc>
                 <a:extLst>
                   <a:ext uri="{0D108BD9-81ED-4DB2-BD59-A6C34878D82A}">
-                    <a16:rowId xmlns="" xmlns:a16="http://schemas.microsoft.com/office/drawing/2014/main" val="682465758"/>
+                    <a16:rowId xmlns:a16="http://schemas.microsoft.com/office/drawing/2014/main" xmlns="" val="682465758"/>
                   </a:ext>
                 </a:extLst>
               </a:tr>
@@ -26645,7 +26765,7 @@
                 </a:tc>
                 <a:extLst>
                   <a:ext uri="{0D108BD9-81ED-4DB2-BD59-A6C34878D82A}">
-                    <a16:rowId xmlns="" xmlns:a16="http://schemas.microsoft.com/office/drawing/2014/main" val="4230228483"/>
+                    <a16:rowId xmlns:a16="http://schemas.microsoft.com/office/drawing/2014/main" xmlns="" val="4230228483"/>
                   </a:ext>
                 </a:extLst>
               </a:tr>
@@ -26747,7 +26867,7 @@
                 </a:tc>
                 <a:extLst>
                   <a:ext uri="{0D108BD9-81ED-4DB2-BD59-A6C34878D82A}">
-                    <a16:rowId xmlns="" xmlns:a16="http://schemas.microsoft.com/office/drawing/2014/main" val="3329658239"/>
+                    <a16:rowId xmlns:a16="http://schemas.microsoft.com/office/drawing/2014/main" xmlns="" val="3329658239"/>
                   </a:ext>
                 </a:extLst>
               </a:tr>
@@ -27647,7 +27767,11 @@
             </a:r>
             <a:r>
               <a:rPr lang="en-US" sz="4400" dirty="0" smtClean="0"/>
-              <a:t> property</a:t>
+              <a:t> </a:t>
+            </a:r>
+            <a:r>
+              <a:rPr lang="en-US" sz="4400" dirty="0" smtClean="0"/>
+              <a:t>Property</a:t>
             </a:r>
             <a:endParaRPr lang="en-US" sz="4400" dirty="0"/>
           </a:p>
@@ -28594,7 +28718,11 @@
             </a:r>
             <a:r>
               <a:rPr lang="en-US" sz="4400" dirty="0" smtClean="0"/>
-              <a:t> resource</a:t>
+              <a:t> </a:t>
+            </a:r>
+            <a:r>
+              <a:rPr lang="en-US" sz="4400" dirty="0" smtClean="0"/>
+              <a:t>Resource</a:t>
             </a:r>
             <a:endParaRPr lang="en-US" sz="4400" dirty="0"/>
           </a:p>
@@ -29095,7 +29223,11 @@
             </a:r>
             <a:r>
               <a:rPr lang="en-US" sz="4800" dirty="0" smtClean="0"/>
-              <a:t> example</a:t>
+              <a:t> </a:t>
+            </a:r>
+            <a:r>
+              <a:rPr lang="en-US" sz="4800" dirty="0" smtClean="0"/>
+              <a:t>Example</a:t>
             </a:r>
             <a:endParaRPr lang="en-US" sz="4800" dirty="0"/>
           </a:p>
@@ -29626,8 +29758,13 @@
             </a:r>
             <a:r>
               <a:rPr lang="en-US" sz="4800" dirty="0"/>
-              <a:t>syntax</a:t>
-            </a:r>
+              <a:t>S</a:t>
+            </a:r>
+            <a:r>
+              <a:rPr lang="en-US" sz="4800" dirty="0" smtClean="0"/>
+              <a:t>yntax</a:t>
+            </a:r>
+            <a:endParaRPr lang="en-US" sz="4800" dirty="0"/>
           </a:p>
         </p:txBody>
       </p:sp>
@@ -29848,7 +29985,11 @@
             </a:r>
             <a:r>
               <a:rPr lang="en-US" dirty="0" smtClean="0"/>
-              <a:t> attributes</a:t>
+              <a:t> </a:t>
+            </a:r>
+            <a:r>
+              <a:rPr lang="en-US" dirty="0" smtClean="0"/>
+              <a:t>Attributes</a:t>
             </a:r>
             <a:endParaRPr lang="en-US" dirty="0"/>
           </a:p>
@@ -29882,14 +30023,14 @@
                 <a:gridCol w="3505200">
                   <a:extLst>
                     <a:ext uri="{9D8B030D-6E8A-4147-A177-3AD203B41FA5}">
-                      <a16:colId xmlns="" xmlns:a16="http://schemas.microsoft.com/office/drawing/2014/main" val="48614039"/>
+                      <a16:colId xmlns:a16="http://schemas.microsoft.com/office/drawing/2014/main" xmlns="" val="48614039"/>
                     </a:ext>
                   </a:extLst>
                 </a:gridCol>
                 <a:gridCol w="3505200">
                   <a:extLst>
                     <a:ext uri="{9D8B030D-6E8A-4147-A177-3AD203B41FA5}">
-                      <a16:colId xmlns="" xmlns:a16="http://schemas.microsoft.com/office/drawing/2014/main" val="1124546490"/>
+                      <a16:colId xmlns:a16="http://schemas.microsoft.com/office/drawing/2014/main" xmlns="" val="1124546490"/>
                     </a:ext>
                   </a:extLst>
                 </a:gridCol>
@@ -29959,7 +30100,7 @@
                 </a:tc>
                 <a:extLst>
                   <a:ext uri="{0D108BD9-81ED-4DB2-BD59-A6C34878D82A}">
-                    <a16:rowId xmlns="" xmlns:a16="http://schemas.microsoft.com/office/drawing/2014/main" val="679667022"/>
+                    <a16:rowId xmlns:a16="http://schemas.microsoft.com/office/drawing/2014/main" xmlns="" val="679667022"/>
                   </a:ext>
                 </a:extLst>
               </a:tr>
@@ -30018,7 +30159,7 @@
                 </a:tc>
                 <a:extLst>
                   <a:ext uri="{0D108BD9-81ED-4DB2-BD59-A6C34878D82A}">
-                    <a16:rowId xmlns="" xmlns:a16="http://schemas.microsoft.com/office/drawing/2014/main" val="2034482246"/>
+                    <a16:rowId xmlns:a16="http://schemas.microsoft.com/office/drawing/2014/main" xmlns="" val="2034482246"/>
                   </a:ext>
                 </a:extLst>
               </a:tr>
@@ -30077,7 +30218,7 @@
                 </a:tc>
                 <a:extLst>
                   <a:ext uri="{0D108BD9-81ED-4DB2-BD59-A6C34878D82A}">
-                    <a16:rowId xmlns="" xmlns:a16="http://schemas.microsoft.com/office/drawing/2014/main" val="682465758"/>
+                    <a16:rowId xmlns:a16="http://schemas.microsoft.com/office/drawing/2014/main" xmlns="" val="682465758"/>
                   </a:ext>
                 </a:extLst>
               </a:tr>
@@ -30136,7 +30277,7 @@
                 </a:tc>
                 <a:extLst>
                   <a:ext uri="{0D108BD9-81ED-4DB2-BD59-A6C34878D82A}">
-                    <a16:rowId xmlns="" xmlns:a16="http://schemas.microsoft.com/office/drawing/2014/main" val="4230228483"/>
+                    <a16:rowId xmlns:a16="http://schemas.microsoft.com/office/drawing/2014/main" xmlns="" val="4230228483"/>
                   </a:ext>
                 </a:extLst>
               </a:tr>
@@ -30195,7 +30336,7 @@
                 </a:tc>
                 <a:extLst>
                   <a:ext uri="{0D108BD9-81ED-4DB2-BD59-A6C34878D82A}">
-                    <a16:rowId xmlns="" xmlns:a16="http://schemas.microsoft.com/office/drawing/2014/main" val="3329658239"/>
+                    <a16:rowId xmlns:a16="http://schemas.microsoft.com/office/drawing/2014/main" xmlns="" val="3329658239"/>
                   </a:ext>
                 </a:extLst>
               </a:tr>
@@ -31237,7 +31378,11 @@
             </a:r>
             <a:r>
               <a:rPr lang="en-US" sz="4800" dirty="0" smtClean="0"/>
-              <a:t> example</a:t>
+              <a:t> </a:t>
+            </a:r>
+            <a:r>
+              <a:rPr lang="en-US" sz="4800" dirty="0" smtClean="0"/>
+              <a:t>Example</a:t>
             </a:r>
             <a:endParaRPr lang="en-US" sz="4800" dirty="0"/>
           </a:p>
@@ -31530,8 +31675,13 @@
             </a:r>
             <a:r>
               <a:rPr lang="en-US" sz="4800" dirty="0"/>
-              <a:t>syntax</a:t>
-            </a:r>
+              <a:t>S</a:t>
+            </a:r>
+            <a:r>
+              <a:rPr lang="en-US" sz="4800" dirty="0" smtClean="0"/>
+              <a:t>yntax</a:t>
+            </a:r>
+            <a:endParaRPr lang="en-US" sz="4800" dirty="0"/>
           </a:p>
         </p:txBody>
       </p:sp>
@@ -32147,7 +32297,11 @@
             </a:r>
             <a:r>
               <a:rPr lang="en-US" dirty="0" smtClean="0"/>
-              <a:t> attributes</a:t>
+              <a:t> </a:t>
+            </a:r>
+            <a:r>
+              <a:rPr lang="en-US" dirty="0" smtClean="0"/>
+              <a:t>Attributes</a:t>
             </a:r>
             <a:endParaRPr lang="en-US" dirty="0"/>
           </a:p>
@@ -32181,14 +32335,14 @@
                 <a:gridCol w="3505200">
                   <a:extLst>
                     <a:ext uri="{9D8B030D-6E8A-4147-A177-3AD203B41FA5}">
-                      <a16:colId xmlns="" xmlns:a16="http://schemas.microsoft.com/office/drawing/2014/main" val="48614039"/>
+                      <a16:colId xmlns:a16="http://schemas.microsoft.com/office/drawing/2014/main" xmlns="" val="48614039"/>
                     </a:ext>
                   </a:extLst>
                 </a:gridCol>
                 <a:gridCol w="3505200">
                   <a:extLst>
                     <a:ext uri="{9D8B030D-6E8A-4147-A177-3AD203B41FA5}">
-                      <a16:colId xmlns="" xmlns:a16="http://schemas.microsoft.com/office/drawing/2014/main" val="1124546490"/>
+                      <a16:colId xmlns:a16="http://schemas.microsoft.com/office/drawing/2014/main" xmlns="" val="1124546490"/>
                     </a:ext>
                   </a:extLst>
                 </a:gridCol>
@@ -32258,7 +32412,7 @@
                 </a:tc>
                 <a:extLst>
                   <a:ext uri="{0D108BD9-81ED-4DB2-BD59-A6C34878D82A}">
-                    <a16:rowId xmlns="" xmlns:a16="http://schemas.microsoft.com/office/drawing/2014/main" val="679667022"/>
+                    <a16:rowId xmlns:a16="http://schemas.microsoft.com/office/drawing/2014/main" xmlns="" val="679667022"/>
                   </a:ext>
                 </a:extLst>
               </a:tr>
@@ -32328,7 +32482,7 @@
                 </a:tc>
                 <a:extLst>
                   <a:ext uri="{0D108BD9-81ED-4DB2-BD59-A6C34878D82A}">
-                    <a16:rowId xmlns="" xmlns:a16="http://schemas.microsoft.com/office/drawing/2014/main" val="2034482246"/>
+                    <a16:rowId xmlns:a16="http://schemas.microsoft.com/office/drawing/2014/main" xmlns="" val="2034482246"/>
                   </a:ext>
                 </a:extLst>
               </a:tr>
@@ -32403,7 +32557,7 @@
                 </a:tc>
                 <a:extLst>
                   <a:ext uri="{0D108BD9-81ED-4DB2-BD59-A6C34878D82A}">
-                    <a16:rowId xmlns="" xmlns:a16="http://schemas.microsoft.com/office/drawing/2014/main" val="682465758"/>
+                    <a16:rowId xmlns:a16="http://schemas.microsoft.com/office/drawing/2014/main" xmlns="" val="682465758"/>
                   </a:ext>
                 </a:extLst>
               </a:tr>
@@ -32476,7 +32630,7 @@
                 </a:tc>
                 <a:extLst>
                   <a:ext uri="{0D108BD9-81ED-4DB2-BD59-A6C34878D82A}">
-                    <a16:rowId xmlns="" xmlns:a16="http://schemas.microsoft.com/office/drawing/2014/main" val="4230228483"/>
+                    <a16:rowId xmlns:a16="http://schemas.microsoft.com/office/drawing/2014/main" xmlns="" val="4230228483"/>
                   </a:ext>
                 </a:extLst>
               </a:tr>
@@ -32549,7 +32703,7 @@
                 </a:tc>
                 <a:extLst>
                   <a:ext uri="{0D108BD9-81ED-4DB2-BD59-A6C34878D82A}">
-                    <a16:rowId xmlns="" xmlns:a16="http://schemas.microsoft.com/office/drawing/2014/main" val="3329658239"/>
+                    <a16:rowId xmlns:a16="http://schemas.microsoft.com/office/drawing/2014/main" xmlns="" val="3329658239"/>
                   </a:ext>
                 </a:extLst>
               </a:tr>
@@ -33168,7 +33322,11 @@
             </a:r>
             <a:r>
               <a:rPr lang="en-US" sz="4800" dirty="0" smtClean="0"/>
-              <a:t> recipe example</a:t>
+              <a:t> </a:t>
+            </a:r>
+            <a:r>
+              <a:rPr lang="en-US" sz="4800" dirty="0" smtClean="0"/>
+              <a:t>Recipe Example</a:t>
             </a:r>
             <a:endParaRPr lang="en-US" sz="4800" dirty="0"/>
           </a:p>
@@ -37244,21 +37402,21 @@
                 <a:gridCol w="3505200">
                   <a:extLst>
                     <a:ext uri="{9D8B030D-6E8A-4147-A177-3AD203B41FA5}">
-                      <a16:colId xmlns="" xmlns:a16="http://schemas.microsoft.com/office/drawing/2014/main" val="48614039"/>
+                      <a16:colId xmlns:a16="http://schemas.microsoft.com/office/drawing/2014/main" xmlns="" val="48614039"/>
                     </a:ext>
                   </a:extLst>
                 </a:gridCol>
                 <a:gridCol w="3505200">
                   <a:extLst>
                     <a:ext uri="{9D8B030D-6E8A-4147-A177-3AD203B41FA5}">
-                      <a16:colId xmlns="" xmlns:a16="http://schemas.microsoft.com/office/drawing/2014/main" val="1124546490"/>
+                      <a16:colId xmlns:a16="http://schemas.microsoft.com/office/drawing/2014/main" xmlns="" val="1124546490"/>
                     </a:ext>
                   </a:extLst>
                 </a:gridCol>
                 <a:gridCol w="3505200">
                   <a:extLst>
                     <a:ext uri="{9D8B030D-6E8A-4147-A177-3AD203B41FA5}">
-                      <a16:colId xmlns="" xmlns:a16="http://schemas.microsoft.com/office/drawing/2014/main" val="2986980724"/>
+                      <a16:colId xmlns:a16="http://schemas.microsoft.com/office/drawing/2014/main" xmlns="" val="2986980724"/>
                     </a:ext>
                   </a:extLst>
                 </a:gridCol>
@@ -37347,7 +37505,7 @@
                 </a:tc>
                 <a:extLst>
                   <a:ext uri="{0D108BD9-81ED-4DB2-BD59-A6C34878D82A}">
-                    <a16:rowId xmlns="" xmlns:a16="http://schemas.microsoft.com/office/drawing/2014/main" val="679667022"/>
+                    <a16:rowId xmlns:a16="http://schemas.microsoft.com/office/drawing/2014/main" xmlns="" val="679667022"/>
                   </a:ext>
                 </a:extLst>
               </a:tr>
@@ -37417,7 +37575,7 @@
                 </a:tc>
                 <a:extLst>
                   <a:ext uri="{0D108BD9-81ED-4DB2-BD59-A6C34878D82A}">
-                    <a16:rowId xmlns="" xmlns:a16="http://schemas.microsoft.com/office/drawing/2014/main" val="2034482246"/>
+                    <a16:rowId xmlns:a16="http://schemas.microsoft.com/office/drawing/2014/main" xmlns="" val="2034482246"/>
                   </a:ext>
                 </a:extLst>
               </a:tr>
@@ -37498,7 +37656,7 @@
                 </a:tc>
                 <a:extLst>
                   <a:ext uri="{0D108BD9-81ED-4DB2-BD59-A6C34878D82A}">
-                    <a16:rowId xmlns="" xmlns:a16="http://schemas.microsoft.com/office/drawing/2014/main" val="682465758"/>
+                    <a16:rowId xmlns:a16="http://schemas.microsoft.com/office/drawing/2014/main" xmlns="" val="682465758"/>
                   </a:ext>
                 </a:extLst>
               </a:tr>
@@ -37576,7 +37734,7 @@
                 </a:tc>
                 <a:extLst>
                   <a:ext uri="{0D108BD9-81ED-4DB2-BD59-A6C34878D82A}">
-                    <a16:rowId xmlns="" xmlns:a16="http://schemas.microsoft.com/office/drawing/2014/main" val="4230228483"/>
+                    <a16:rowId xmlns:a16="http://schemas.microsoft.com/office/drawing/2014/main" xmlns="" val="4230228483"/>
                   </a:ext>
                 </a:extLst>
               </a:tr>
@@ -37646,7 +37804,7 @@
                 </a:tc>
                 <a:extLst>
                   <a:ext uri="{0D108BD9-81ED-4DB2-BD59-A6C34878D82A}">
-                    <a16:rowId xmlns="" xmlns:a16="http://schemas.microsoft.com/office/drawing/2014/main" val="3329658239"/>
+                    <a16:rowId xmlns:a16="http://schemas.microsoft.com/office/drawing/2014/main" xmlns="" val="3329658239"/>
                   </a:ext>
                 </a:extLst>
               </a:tr>
@@ -38733,7 +38891,7 @@
   <a:extraClrSchemeLst/>
   <a:extLst>
     <a:ext uri="{05A4C25C-085E-4340-85A3-A5531E510DB2}">
-      <thm15:themeFamily xmlns:thm15="http://schemas.microsoft.com/office/thememl/2012/main" xmlns="" name="Office Theme" id="{62F939B6-93AF-4DB8-9C6B-D6C7DFDC589F}" vid="{4A3C46E8-61CC-4603-A589-7422A47A8E4A}"/>
+      <thm15:themeFamily xmlns="" xmlns:thm15="http://schemas.microsoft.com/office/thememl/2012/main" name="Office Theme" id="{62F939B6-93AF-4DB8-9C6B-D6C7DFDC589F}" vid="{4A3C46E8-61CC-4603-A589-7422A47A8E4A}"/>
     </a:ext>
   </a:extLst>
 </a:theme>
@@ -39002,7 +39160,7 @@
   <a:extraClrSchemeLst/>
   <a:extLst>
     <a:ext uri="{05A4C25C-085E-4340-85A3-A5531E510DB2}">
-      <thm15:themeFamily xmlns="" xmlns:thm15="http://schemas.microsoft.com/office/thememl/2012/main" name="Office Theme" id="{62F939B6-93AF-4DB8-9C6B-D6C7DFDC589F}" vid="{4A3C46E8-61CC-4603-A589-7422A47A8E4A}"/>
+      <thm15:themeFamily xmlns:thm15="http://schemas.microsoft.com/office/thememl/2012/main" xmlns="" name="Office Theme" id="{62F939B6-93AF-4DB8-9C6B-D6C7DFDC589F}" vid="{4A3C46E8-61CC-4603-A589-7422A47A8E4A}"/>
     </a:ext>
   </a:extLst>
 </a:theme>
@@ -39297,7 +39455,7 @@
   <a:extraClrSchemeLst/>
   <a:extLst>
     <a:ext uri="{05A4C25C-085E-4340-85A3-A5531E510DB2}">
-      <thm15:themeFamily xmlns="" xmlns:thm15="http://schemas.microsoft.com/office/thememl/2012/main" name="Office Theme" id="{62F939B6-93AF-4DB8-9C6B-D6C7DFDC589F}" vid="{4A3C46E8-61CC-4603-A589-7422A47A8E4A}"/>
+      <thm15:themeFamily xmlns:thm15="http://schemas.microsoft.com/office/thememl/2012/main" xmlns="" name="Office Theme" id="{62F939B6-93AF-4DB8-9C6B-D6C7DFDC589F}" vid="{4A3C46E8-61CC-4603-A589-7422A47A8E4A}"/>
     </a:ext>
   </a:extLst>
 </a:theme>
